--- a/udemy-design-pattern/uml.pptx
+++ b/udemy-design-pattern/uml.pptx
@@ -6,6 +6,9 @@
   </p:sldMasterIdLst>
   <p:sldIdLst>
     <p:sldId id="260" r:id="rId2"/>
+    <p:sldId id="261" r:id="rId3"/>
+    <p:sldId id="262" r:id="rId4"/>
+    <p:sldId id="264" r:id="rId5"/>
   </p:sldIdLst>
   <p:sldSz cx="12192000" cy="6858000"/>
   <p:notesSz cx="6858000" cy="9144000"/>
@@ -243,7 +246,7 @@
           <a:p>
             <a:fld id="{3083E1A9-A397-4745-BD5D-6E8E767939EE}" type="datetimeFigureOut">
               <a:rPr kumimoji="1" lang="ko-Kore-KR" altLang="en-US" smtClean="0"/>
-              <a:t>2022. 7. 1.</a:t>
+              <a:t>2022. 7. 2.</a:t>
             </a:fld>
             <a:endParaRPr kumimoji="1" lang="ko-Kore-KR" altLang="en-US"/>
           </a:p>
@@ -413,7 +416,7 @@
           <a:p>
             <a:fld id="{3083E1A9-A397-4745-BD5D-6E8E767939EE}" type="datetimeFigureOut">
               <a:rPr kumimoji="1" lang="ko-Kore-KR" altLang="en-US" smtClean="0"/>
-              <a:t>2022. 7. 1.</a:t>
+              <a:t>2022. 7. 2.</a:t>
             </a:fld>
             <a:endParaRPr kumimoji="1" lang="ko-Kore-KR" altLang="en-US"/>
           </a:p>
@@ -593,7 +596,7 @@
           <a:p>
             <a:fld id="{3083E1A9-A397-4745-BD5D-6E8E767939EE}" type="datetimeFigureOut">
               <a:rPr kumimoji="1" lang="ko-Kore-KR" altLang="en-US" smtClean="0"/>
-              <a:t>2022. 7. 1.</a:t>
+              <a:t>2022. 7. 2.</a:t>
             </a:fld>
             <a:endParaRPr kumimoji="1" lang="ko-Kore-KR" altLang="en-US"/>
           </a:p>
@@ -763,7 +766,7 @@
           <a:p>
             <a:fld id="{3083E1A9-A397-4745-BD5D-6E8E767939EE}" type="datetimeFigureOut">
               <a:rPr kumimoji="1" lang="ko-Kore-KR" altLang="en-US" smtClean="0"/>
-              <a:t>2022. 7. 1.</a:t>
+              <a:t>2022. 7. 2.</a:t>
             </a:fld>
             <a:endParaRPr kumimoji="1" lang="ko-Kore-KR" altLang="en-US"/>
           </a:p>
@@ -1009,7 +1012,7 @@
           <a:p>
             <a:fld id="{3083E1A9-A397-4745-BD5D-6E8E767939EE}" type="datetimeFigureOut">
               <a:rPr kumimoji="1" lang="ko-Kore-KR" altLang="en-US" smtClean="0"/>
-              <a:t>2022. 7. 1.</a:t>
+              <a:t>2022. 7. 2.</a:t>
             </a:fld>
             <a:endParaRPr kumimoji="1" lang="ko-Kore-KR" altLang="en-US"/>
           </a:p>
@@ -1241,7 +1244,7 @@
           <a:p>
             <a:fld id="{3083E1A9-A397-4745-BD5D-6E8E767939EE}" type="datetimeFigureOut">
               <a:rPr kumimoji="1" lang="ko-Kore-KR" altLang="en-US" smtClean="0"/>
-              <a:t>2022. 7. 1.</a:t>
+              <a:t>2022. 7. 2.</a:t>
             </a:fld>
             <a:endParaRPr kumimoji="1" lang="ko-Kore-KR" altLang="en-US"/>
           </a:p>
@@ -1608,7 +1611,7 @@
           <a:p>
             <a:fld id="{3083E1A9-A397-4745-BD5D-6E8E767939EE}" type="datetimeFigureOut">
               <a:rPr kumimoji="1" lang="ko-Kore-KR" altLang="en-US" smtClean="0"/>
-              <a:t>2022. 7. 1.</a:t>
+              <a:t>2022. 7. 2.</a:t>
             </a:fld>
             <a:endParaRPr kumimoji="1" lang="ko-Kore-KR" altLang="en-US"/>
           </a:p>
@@ -1726,7 +1729,7 @@
           <a:p>
             <a:fld id="{3083E1A9-A397-4745-BD5D-6E8E767939EE}" type="datetimeFigureOut">
               <a:rPr kumimoji="1" lang="ko-Kore-KR" altLang="en-US" smtClean="0"/>
-              <a:t>2022. 7. 1.</a:t>
+              <a:t>2022. 7. 2.</a:t>
             </a:fld>
             <a:endParaRPr kumimoji="1" lang="ko-Kore-KR" altLang="en-US"/>
           </a:p>
@@ -1821,7 +1824,7 @@
           <a:p>
             <a:fld id="{3083E1A9-A397-4745-BD5D-6E8E767939EE}" type="datetimeFigureOut">
               <a:rPr kumimoji="1" lang="ko-Kore-KR" altLang="en-US" smtClean="0"/>
-              <a:t>2022. 7. 1.</a:t>
+              <a:t>2022. 7. 2.</a:t>
             </a:fld>
             <a:endParaRPr kumimoji="1" lang="ko-Kore-KR" altLang="en-US"/>
           </a:p>
@@ -2098,7 +2101,7 @@
           <a:p>
             <a:fld id="{3083E1A9-A397-4745-BD5D-6E8E767939EE}" type="datetimeFigureOut">
               <a:rPr kumimoji="1" lang="ko-Kore-KR" altLang="en-US" smtClean="0"/>
-              <a:t>2022. 7. 1.</a:t>
+              <a:t>2022. 7. 2.</a:t>
             </a:fld>
             <a:endParaRPr kumimoji="1" lang="ko-Kore-KR" altLang="en-US"/>
           </a:p>
@@ -2355,7 +2358,7 @@
           <a:p>
             <a:fld id="{3083E1A9-A397-4745-BD5D-6E8E767939EE}" type="datetimeFigureOut">
               <a:rPr kumimoji="1" lang="ko-Kore-KR" altLang="en-US" smtClean="0"/>
-              <a:t>2022. 7. 1.</a:t>
+              <a:t>2022. 7. 2.</a:t>
             </a:fld>
             <a:endParaRPr kumimoji="1" lang="ko-Kore-KR" altLang="en-US"/>
           </a:p>
@@ -2568,7 +2571,7 @@
           <a:p>
             <a:fld id="{3083E1A9-A397-4745-BD5D-6E8E767939EE}" type="datetimeFigureOut">
               <a:rPr kumimoji="1" lang="ko-Kore-KR" altLang="en-US" smtClean="0"/>
-              <a:t>2022. 7. 1.</a:t>
+              <a:t>2022. 7. 2.</a:t>
             </a:fld>
             <a:endParaRPr kumimoji="1" lang="ko-Kore-KR" altLang="en-US"/>
           </a:p>
@@ -5366,6 +5369,4566 @@
 </p:sld>
 </file>
 
+<file path=ppt/slides/slide2.xml><?xml version="1.0" encoding="utf-8"?>
+<p:sld xmlns:a="http://schemas.openxmlformats.org/drawingml/2006/main" xmlns:r="http://schemas.openxmlformats.org/officeDocument/2006/relationships" xmlns:p="http://schemas.openxmlformats.org/presentationml/2006/main">
+  <p:cSld>
+    <p:spTree>
+      <p:nvGrpSpPr>
+        <p:cNvPr id="1" name=""/>
+        <p:cNvGrpSpPr/>
+        <p:nvPr/>
+      </p:nvGrpSpPr>
+      <p:grpSpPr>
+        <a:xfrm>
+          <a:off x="0" y="0"/>
+          <a:ext cx="0" cy="0"/>
+          <a:chOff x="0" y="0"/>
+          <a:chExt cx="0" cy="0"/>
+        </a:xfrm>
+      </p:grpSpPr>
+      <p:grpSp>
+        <p:nvGrpSpPr>
+          <p:cNvPr id="3" name="그룹 2">
+            <a:extLst>
+              <a:ext uri="{FF2B5EF4-FFF2-40B4-BE49-F238E27FC236}">
+                <a16:creationId xmlns:a16="http://schemas.microsoft.com/office/drawing/2014/main" id="{0314F49E-2FF1-8949-A1FE-EAC4B8510E4E}"/>
+              </a:ext>
+            </a:extLst>
+          </p:cNvPr>
+          <p:cNvGrpSpPr/>
+          <p:nvPr/>
+        </p:nvGrpSpPr>
+        <p:grpSpPr>
+          <a:xfrm>
+            <a:off x="2857591" y="2389430"/>
+            <a:ext cx="1528753" cy="1039570"/>
+            <a:chOff x="1613840" y="883824"/>
+            <a:chExt cx="1528753" cy="1039570"/>
+          </a:xfrm>
+        </p:grpSpPr>
+        <p:sp>
+          <p:nvSpPr>
+            <p:cNvPr id="76" name="직사각형 75">
+              <a:extLst>
+                <a:ext uri="{FF2B5EF4-FFF2-40B4-BE49-F238E27FC236}">
+                  <a16:creationId xmlns:a16="http://schemas.microsoft.com/office/drawing/2014/main" id="{9AE36E10-3A16-694F-B10E-A4506FE06853}"/>
+                </a:ext>
+              </a:extLst>
+            </p:cNvPr>
+            <p:cNvSpPr/>
+            <p:nvPr/>
+          </p:nvSpPr>
+          <p:spPr>
+            <a:xfrm>
+              <a:off x="1613840" y="883824"/>
+              <a:ext cx="1528753" cy="527319"/>
+            </a:xfrm>
+            <a:prstGeom prst="rect">
+              <a:avLst/>
+            </a:prstGeom>
+            <a:ln w="25400">
+              <a:solidFill>
+                <a:srgbClr val="5DA2C5"/>
+              </a:solidFill>
+            </a:ln>
+          </p:spPr>
+          <p:style>
+            <a:lnRef idx="1">
+              <a:schemeClr val="accent1"/>
+            </a:lnRef>
+            <a:fillRef idx="0">
+              <a:schemeClr val="accent1"/>
+            </a:fillRef>
+            <a:effectRef idx="0">
+              <a:schemeClr val="accent1"/>
+            </a:effectRef>
+            <a:fontRef idx="minor">
+              <a:schemeClr val="tx1"/>
+            </a:fontRef>
+          </p:style>
+          <p:txBody>
+            <a:bodyPr rtlCol="0" anchor="ctr"/>
+            <a:lstStyle/>
+            <a:p>
+              <a:pPr algn="ctr"/>
+              <a:endParaRPr kumimoji="1" lang="ko-Kore-KR" altLang="en-US" sz="1200"/>
+            </a:p>
+          </p:txBody>
+        </p:sp>
+        <p:sp>
+          <p:nvSpPr>
+            <p:cNvPr id="78" name="TextBox 77">
+              <a:extLst>
+                <a:ext uri="{FF2B5EF4-FFF2-40B4-BE49-F238E27FC236}">
+                  <a16:creationId xmlns:a16="http://schemas.microsoft.com/office/drawing/2014/main" id="{6BA29A0F-9338-AA44-9FF7-9F6B88DB16BA}"/>
+                </a:ext>
+              </a:extLst>
+            </p:cNvPr>
+            <p:cNvSpPr txBox="1"/>
+            <p:nvPr/>
+          </p:nvSpPr>
+          <p:spPr>
+            <a:xfrm>
+              <a:off x="1613840" y="916669"/>
+              <a:ext cx="1528753" cy="461665"/>
+            </a:xfrm>
+            <a:prstGeom prst="rect">
+              <a:avLst/>
+            </a:prstGeom>
+            <a:noFill/>
+          </p:spPr>
+          <p:txBody>
+            <a:bodyPr wrap="square" rtlCol="0">
+              <a:spAutoFit/>
+            </a:bodyPr>
+            <a:lstStyle/>
+            <a:p>
+              <a:pPr algn="ctr"/>
+              <a:r>
+                <a:rPr kumimoji="1" lang="en-US" altLang="ko-Kore-KR" sz="1200" i="1" dirty="0">
+                  <a:solidFill>
+                    <a:srgbClr val="5DA2C5"/>
+                  </a:solidFill>
+                  <a:latin typeface="SHeadG" panose="02030600000101010101" pitchFamily="18" charset="-127"/>
+                  <a:ea typeface="SHeadG" panose="02030600000101010101" pitchFamily="18" charset="-127"/>
+                </a:rPr>
+                <a:t>&lt;&lt;abstract&gt;&gt;</a:t>
+              </a:r>
+            </a:p>
+            <a:p>
+              <a:pPr algn="ctr"/>
+              <a:r>
+                <a:rPr kumimoji="1" lang="en-US" altLang="ko-Kore-KR" sz="1200" b="1" dirty="0">
+                  <a:solidFill>
+                    <a:srgbClr val="5DA2C5"/>
+                  </a:solidFill>
+                  <a:latin typeface="SHeadG" panose="02030600000101010101" pitchFamily="18" charset="-127"/>
+                  <a:ea typeface="SHeadG" panose="02030600000101010101" pitchFamily="18" charset="-127"/>
+                </a:rPr>
+                <a:t>Message</a:t>
+              </a:r>
+              <a:endParaRPr kumimoji="1" lang="ko-Kore-KR" altLang="en-US" sz="1200" b="1" dirty="0">
+                <a:solidFill>
+                  <a:srgbClr val="5DA2C5"/>
+                </a:solidFill>
+                <a:latin typeface="SHeadG" panose="02030600000101010101" pitchFamily="18" charset="-127"/>
+                <a:ea typeface="SHeadG" panose="02030600000101010101" pitchFamily="18" charset="-127"/>
+              </a:endParaRPr>
+            </a:p>
+          </p:txBody>
+        </p:sp>
+        <p:sp>
+          <p:nvSpPr>
+            <p:cNvPr id="79" name="직사각형 78">
+              <a:extLst>
+                <a:ext uri="{FF2B5EF4-FFF2-40B4-BE49-F238E27FC236}">
+                  <a16:creationId xmlns:a16="http://schemas.microsoft.com/office/drawing/2014/main" id="{DE4E74A3-3601-0145-BE20-72C12141C157}"/>
+                </a:ext>
+              </a:extLst>
+            </p:cNvPr>
+            <p:cNvSpPr/>
+            <p:nvPr/>
+          </p:nvSpPr>
+          <p:spPr>
+            <a:xfrm>
+              <a:off x="1613840" y="1411145"/>
+              <a:ext cx="1528753" cy="512249"/>
+            </a:xfrm>
+            <a:prstGeom prst="rect">
+              <a:avLst/>
+            </a:prstGeom>
+            <a:ln w="25400">
+              <a:solidFill>
+                <a:srgbClr val="5DA2C5"/>
+              </a:solidFill>
+            </a:ln>
+          </p:spPr>
+          <p:style>
+            <a:lnRef idx="1">
+              <a:schemeClr val="accent1"/>
+            </a:lnRef>
+            <a:fillRef idx="0">
+              <a:schemeClr val="accent1"/>
+            </a:fillRef>
+            <a:effectRef idx="0">
+              <a:schemeClr val="accent1"/>
+            </a:effectRef>
+            <a:fontRef idx="minor">
+              <a:schemeClr val="tx1"/>
+            </a:fontRef>
+          </p:style>
+          <p:txBody>
+            <a:bodyPr rtlCol="0" anchor="ctr"/>
+            <a:lstStyle/>
+            <a:p>
+              <a:pPr algn="ctr"/>
+              <a:endParaRPr kumimoji="1" lang="ko-Kore-KR" altLang="en-US" sz="1200"/>
+            </a:p>
+          </p:txBody>
+        </p:sp>
+      </p:grpSp>
+      <p:grpSp>
+        <p:nvGrpSpPr>
+          <p:cNvPr id="82" name="그룹 81">
+            <a:extLst>
+              <a:ext uri="{FF2B5EF4-FFF2-40B4-BE49-F238E27FC236}">
+                <a16:creationId xmlns:a16="http://schemas.microsoft.com/office/drawing/2014/main" id="{6160D60D-CFCE-D545-9287-93BB3090E2B3}"/>
+              </a:ext>
+            </a:extLst>
+          </p:cNvPr>
+          <p:cNvGrpSpPr/>
+          <p:nvPr/>
+        </p:nvGrpSpPr>
+        <p:grpSpPr>
+          <a:xfrm>
+            <a:off x="7560970" y="2389430"/>
+            <a:ext cx="1528753" cy="1039570"/>
+            <a:chOff x="1613840" y="883824"/>
+            <a:chExt cx="1528753" cy="1039570"/>
+          </a:xfrm>
+        </p:grpSpPr>
+        <p:sp>
+          <p:nvSpPr>
+            <p:cNvPr id="83" name="직사각형 82">
+              <a:extLst>
+                <a:ext uri="{FF2B5EF4-FFF2-40B4-BE49-F238E27FC236}">
+                  <a16:creationId xmlns:a16="http://schemas.microsoft.com/office/drawing/2014/main" id="{D0F0CF4E-8C42-FB4F-8063-FCDAB0204D56}"/>
+                </a:ext>
+              </a:extLst>
+            </p:cNvPr>
+            <p:cNvSpPr/>
+            <p:nvPr/>
+          </p:nvSpPr>
+          <p:spPr>
+            <a:xfrm>
+              <a:off x="1613840" y="883824"/>
+              <a:ext cx="1528753" cy="527320"/>
+            </a:xfrm>
+            <a:prstGeom prst="rect">
+              <a:avLst/>
+            </a:prstGeom>
+            <a:ln w="25400">
+              <a:solidFill>
+                <a:srgbClr val="5DA2C5"/>
+              </a:solidFill>
+            </a:ln>
+          </p:spPr>
+          <p:style>
+            <a:lnRef idx="1">
+              <a:schemeClr val="accent1"/>
+            </a:lnRef>
+            <a:fillRef idx="0">
+              <a:schemeClr val="accent1"/>
+            </a:fillRef>
+            <a:effectRef idx="0">
+              <a:schemeClr val="accent1"/>
+            </a:effectRef>
+            <a:fontRef idx="minor">
+              <a:schemeClr val="tx1"/>
+            </a:fontRef>
+          </p:style>
+          <p:txBody>
+            <a:bodyPr rtlCol="0" anchor="ctr"/>
+            <a:lstStyle/>
+            <a:p>
+              <a:pPr algn="ctr"/>
+              <a:endParaRPr kumimoji="1" lang="ko-Kore-KR" altLang="en-US" sz="1200"/>
+            </a:p>
+          </p:txBody>
+        </p:sp>
+        <p:sp>
+          <p:nvSpPr>
+            <p:cNvPr id="84" name="TextBox 83">
+              <a:extLst>
+                <a:ext uri="{FF2B5EF4-FFF2-40B4-BE49-F238E27FC236}">
+                  <a16:creationId xmlns:a16="http://schemas.microsoft.com/office/drawing/2014/main" id="{8A68034E-1E49-FA42-9DE0-F0E7E3AAA83B}"/>
+                </a:ext>
+              </a:extLst>
+            </p:cNvPr>
+            <p:cNvSpPr txBox="1"/>
+            <p:nvPr/>
+          </p:nvSpPr>
+          <p:spPr>
+            <a:xfrm>
+              <a:off x="1613840" y="916669"/>
+              <a:ext cx="1528753" cy="461665"/>
+            </a:xfrm>
+            <a:prstGeom prst="rect">
+              <a:avLst/>
+            </a:prstGeom>
+            <a:noFill/>
+          </p:spPr>
+          <p:txBody>
+            <a:bodyPr wrap="square" rtlCol="0">
+              <a:spAutoFit/>
+            </a:bodyPr>
+            <a:lstStyle/>
+            <a:p>
+              <a:pPr algn="ctr"/>
+              <a:r>
+                <a:rPr kumimoji="1" lang="en-US" altLang="ko-Kore-KR" sz="1200" i="1" dirty="0">
+                  <a:solidFill>
+                    <a:srgbClr val="5DA2C5"/>
+                  </a:solidFill>
+                  <a:latin typeface="SHeadG" panose="02030600000101010101" pitchFamily="18" charset="-127"/>
+                  <a:ea typeface="SHeadG" panose="02030600000101010101" pitchFamily="18" charset="-127"/>
+                </a:rPr>
+                <a:t>&lt;&lt;abstract&gt;&gt;</a:t>
+              </a:r>
+            </a:p>
+            <a:p>
+              <a:pPr algn="ctr"/>
+              <a:r>
+                <a:rPr kumimoji="1" lang="en-US" altLang="ko-Kore-KR" sz="1200" b="1" dirty="0" err="1">
+                  <a:solidFill>
+                    <a:srgbClr val="5DA2C5"/>
+                  </a:solidFill>
+                  <a:latin typeface="SHeadG" panose="02030600000101010101" pitchFamily="18" charset="-127"/>
+                  <a:ea typeface="SHeadG" panose="02030600000101010101" pitchFamily="18" charset="-127"/>
+                </a:rPr>
+                <a:t>MessageCreator</a:t>
+              </a:r>
+              <a:endParaRPr kumimoji="1" lang="ko-Kore-KR" altLang="en-US" sz="1200" b="1" dirty="0">
+                <a:solidFill>
+                  <a:srgbClr val="5DA2C5"/>
+                </a:solidFill>
+                <a:latin typeface="SHeadG" panose="02030600000101010101" pitchFamily="18" charset="-127"/>
+                <a:ea typeface="SHeadG" panose="02030600000101010101" pitchFamily="18" charset="-127"/>
+              </a:endParaRPr>
+            </a:p>
+          </p:txBody>
+        </p:sp>
+        <p:sp>
+          <p:nvSpPr>
+            <p:cNvPr id="86" name="직사각형 85">
+              <a:extLst>
+                <a:ext uri="{FF2B5EF4-FFF2-40B4-BE49-F238E27FC236}">
+                  <a16:creationId xmlns:a16="http://schemas.microsoft.com/office/drawing/2014/main" id="{4EC65C4C-0631-344E-9260-055E00BFED7B}"/>
+                </a:ext>
+              </a:extLst>
+            </p:cNvPr>
+            <p:cNvSpPr/>
+            <p:nvPr/>
+          </p:nvSpPr>
+          <p:spPr>
+            <a:xfrm>
+              <a:off x="1613840" y="1411144"/>
+              <a:ext cx="1528753" cy="512250"/>
+            </a:xfrm>
+            <a:prstGeom prst="rect">
+              <a:avLst/>
+            </a:prstGeom>
+            <a:ln w="25400">
+              <a:solidFill>
+                <a:srgbClr val="5DA2C5"/>
+              </a:solidFill>
+            </a:ln>
+          </p:spPr>
+          <p:style>
+            <a:lnRef idx="1">
+              <a:schemeClr val="accent1"/>
+            </a:lnRef>
+            <a:fillRef idx="0">
+              <a:schemeClr val="accent1"/>
+            </a:fillRef>
+            <a:effectRef idx="0">
+              <a:schemeClr val="accent1"/>
+            </a:effectRef>
+            <a:fontRef idx="minor">
+              <a:schemeClr val="tx1"/>
+            </a:fontRef>
+          </p:style>
+          <p:txBody>
+            <a:bodyPr rtlCol="0" anchor="ctr"/>
+            <a:lstStyle/>
+            <a:p>
+              <a:pPr algn="ctr"/>
+              <a:endParaRPr kumimoji="1" lang="ko-Kore-KR" altLang="en-US" sz="1200"/>
+            </a:p>
+          </p:txBody>
+        </p:sp>
+      </p:grpSp>
+      <p:grpSp>
+        <p:nvGrpSpPr>
+          <p:cNvPr id="87" name="그룹 86">
+            <a:extLst>
+              <a:ext uri="{FF2B5EF4-FFF2-40B4-BE49-F238E27FC236}">
+                <a16:creationId xmlns:a16="http://schemas.microsoft.com/office/drawing/2014/main" id="{2C42C6EE-A366-E546-898A-7D13EFECCB9F}"/>
+              </a:ext>
+            </a:extLst>
+          </p:cNvPr>
+          <p:cNvGrpSpPr/>
+          <p:nvPr/>
+        </p:nvGrpSpPr>
+        <p:grpSpPr>
+          <a:xfrm>
+            <a:off x="1700439" y="4144658"/>
+            <a:ext cx="1550787" cy="1039570"/>
+            <a:chOff x="1591806" y="883824"/>
+            <a:chExt cx="1550787" cy="1039570"/>
+          </a:xfrm>
+        </p:grpSpPr>
+        <p:sp>
+          <p:nvSpPr>
+            <p:cNvPr id="88" name="직사각형 87">
+              <a:extLst>
+                <a:ext uri="{FF2B5EF4-FFF2-40B4-BE49-F238E27FC236}">
+                  <a16:creationId xmlns:a16="http://schemas.microsoft.com/office/drawing/2014/main" id="{64D5B666-DA08-A24D-B0B5-BB660F2D5741}"/>
+                </a:ext>
+              </a:extLst>
+            </p:cNvPr>
+            <p:cNvSpPr/>
+            <p:nvPr/>
+          </p:nvSpPr>
+          <p:spPr>
+            <a:xfrm>
+              <a:off x="1613840" y="883824"/>
+              <a:ext cx="1528753" cy="342690"/>
+            </a:xfrm>
+            <a:prstGeom prst="rect">
+              <a:avLst/>
+            </a:prstGeom>
+            <a:ln w="25400">
+              <a:solidFill>
+                <a:srgbClr val="5DA2C5"/>
+              </a:solidFill>
+            </a:ln>
+          </p:spPr>
+          <p:style>
+            <a:lnRef idx="1">
+              <a:schemeClr val="accent1"/>
+            </a:lnRef>
+            <a:fillRef idx="0">
+              <a:schemeClr val="accent1"/>
+            </a:fillRef>
+            <a:effectRef idx="0">
+              <a:schemeClr val="accent1"/>
+            </a:effectRef>
+            <a:fontRef idx="minor">
+              <a:schemeClr val="tx1"/>
+            </a:fontRef>
+          </p:style>
+          <p:txBody>
+            <a:bodyPr rtlCol="0" anchor="ctr"/>
+            <a:lstStyle/>
+            <a:p>
+              <a:pPr algn="ctr"/>
+              <a:endParaRPr kumimoji="1" lang="ko-Kore-KR" altLang="en-US" sz="1200"/>
+            </a:p>
+          </p:txBody>
+        </p:sp>
+        <p:sp>
+          <p:nvSpPr>
+            <p:cNvPr id="89" name="TextBox 88">
+              <a:extLst>
+                <a:ext uri="{FF2B5EF4-FFF2-40B4-BE49-F238E27FC236}">
+                  <a16:creationId xmlns:a16="http://schemas.microsoft.com/office/drawing/2014/main" id="{9B5DC2C1-A336-A34B-B3C8-E0FDC101D9BD}"/>
+                </a:ext>
+              </a:extLst>
+            </p:cNvPr>
+            <p:cNvSpPr txBox="1"/>
+            <p:nvPr/>
+          </p:nvSpPr>
+          <p:spPr>
+            <a:xfrm>
+              <a:off x="1591806" y="916669"/>
+              <a:ext cx="1550787" cy="276999"/>
+            </a:xfrm>
+            <a:prstGeom prst="rect">
+              <a:avLst/>
+            </a:prstGeom>
+            <a:noFill/>
+          </p:spPr>
+          <p:txBody>
+            <a:bodyPr wrap="square" rtlCol="0">
+              <a:spAutoFit/>
+            </a:bodyPr>
+            <a:lstStyle/>
+            <a:p>
+              <a:pPr algn="ctr"/>
+              <a:r>
+                <a:rPr kumimoji="1" lang="en-US" altLang="ko-Kore-KR" sz="1200" b="1" dirty="0" err="1">
+                  <a:solidFill>
+                    <a:srgbClr val="5DA2C5"/>
+                  </a:solidFill>
+                  <a:latin typeface="SHeadG" panose="02030600000101010101" pitchFamily="18" charset="-127"/>
+                  <a:ea typeface="SHeadG" panose="02030600000101010101" pitchFamily="18" charset="-127"/>
+                </a:rPr>
+                <a:t>TextMessage</a:t>
+              </a:r>
+              <a:endParaRPr kumimoji="1" lang="ko-Kore-KR" altLang="en-US" sz="1200" b="1" dirty="0">
+                <a:solidFill>
+                  <a:srgbClr val="5DA2C5"/>
+                </a:solidFill>
+                <a:latin typeface="SHeadG" panose="02030600000101010101" pitchFamily="18" charset="-127"/>
+                <a:ea typeface="SHeadG" panose="02030600000101010101" pitchFamily="18" charset="-127"/>
+              </a:endParaRPr>
+            </a:p>
+          </p:txBody>
+        </p:sp>
+        <p:sp>
+          <p:nvSpPr>
+            <p:cNvPr id="90" name="직사각형 89">
+              <a:extLst>
+                <a:ext uri="{FF2B5EF4-FFF2-40B4-BE49-F238E27FC236}">
+                  <a16:creationId xmlns:a16="http://schemas.microsoft.com/office/drawing/2014/main" id="{6995E2BD-5F87-A648-86CB-5B29B362A0DF}"/>
+                </a:ext>
+              </a:extLst>
+            </p:cNvPr>
+            <p:cNvSpPr/>
+            <p:nvPr/>
+          </p:nvSpPr>
+          <p:spPr>
+            <a:xfrm>
+              <a:off x="1613840" y="1226514"/>
+              <a:ext cx="1528753" cy="696880"/>
+            </a:xfrm>
+            <a:prstGeom prst="rect">
+              <a:avLst/>
+            </a:prstGeom>
+            <a:ln w="25400">
+              <a:solidFill>
+                <a:srgbClr val="5DA2C5"/>
+              </a:solidFill>
+            </a:ln>
+          </p:spPr>
+          <p:style>
+            <a:lnRef idx="1">
+              <a:schemeClr val="accent1"/>
+            </a:lnRef>
+            <a:fillRef idx="0">
+              <a:schemeClr val="accent1"/>
+            </a:fillRef>
+            <a:effectRef idx="0">
+              <a:schemeClr val="accent1"/>
+            </a:effectRef>
+            <a:fontRef idx="minor">
+              <a:schemeClr val="tx1"/>
+            </a:fontRef>
+          </p:style>
+          <p:txBody>
+            <a:bodyPr rtlCol="0" anchor="ctr"/>
+            <a:lstStyle/>
+            <a:p>
+              <a:pPr algn="ctr"/>
+              <a:endParaRPr kumimoji="1" lang="ko-Kore-KR" altLang="en-US" sz="1200"/>
+            </a:p>
+          </p:txBody>
+        </p:sp>
+      </p:grpSp>
+      <p:grpSp>
+        <p:nvGrpSpPr>
+          <p:cNvPr id="91" name="그룹 90">
+            <a:extLst>
+              <a:ext uri="{FF2B5EF4-FFF2-40B4-BE49-F238E27FC236}">
+                <a16:creationId xmlns:a16="http://schemas.microsoft.com/office/drawing/2014/main" id="{2808AD28-03BA-3C48-B375-F0A2076E0C2B}"/>
+              </a:ext>
+            </a:extLst>
+          </p:cNvPr>
+          <p:cNvGrpSpPr/>
+          <p:nvPr/>
+        </p:nvGrpSpPr>
+        <p:grpSpPr>
+          <a:xfrm>
+            <a:off x="3972889" y="4144658"/>
+            <a:ext cx="1731399" cy="1039570"/>
+            <a:chOff x="1525704" y="883824"/>
+            <a:chExt cx="1731399" cy="1039570"/>
+          </a:xfrm>
+        </p:grpSpPr>
+        <p:sp>
+          <p:nvSpPr>
+            <p:cNvPr id="92" name="직사각형 91">
+              <a:extLst>
+                <a:ext uri="{FF2B5EF4-FFF2-40B4-BE49-F238E27FC236}">
+                  <a16:creationId xmlns:a16="http://schemas.microsoft.com/office/drawing/2014/main" id="{0FD8EB82-16D2-D94D-B5AF-A0A70D9BC6B9}"/>
+                </a:ext>
+              </a:extLst>
+            </p:cNvPr>
+            <p:cNvSpPr/>
+            <p:nvPr/>
+          </p:nvSpPr>
+          <p:spPr>
+            <a:xfrm>
+              <a:off x="1613840" y="883824"/>
+              <a:ext cx="1528753" cy="342690"/>
+            </a:xfrm>
+            <a:prstGeom prst="rect">
+              <a:avLst/>
+            </a:prstGeom>
+            <a:ln w="25400">
+              <a:solidFill>
+                <a:srgbClr val="5DA2C5"/>
+              </a:solidFill>
+            </a:ln>
+          </p:spPr>
+          <p:style>
+            <a:lnRef idx="1">
+              <a:schemeClr val="accent1"/>
+            </a:lnRef>
+            <a:fillRef idx="0">
+              <a:schemeClr val="accent1"/>
+            </a:fillRef>
+            <a:effectRef idx="0">
+              <a:schemeClr val="accent1"/>
+            </a:effectRef>
+            <a:fontRef idx="minor">
+              <a:schemeClr val="tx1"/>
+            </a:fontRef>
+          </p:style>
+          <p:txBody>
+            <a:bodyPr rtlCol="0" anchor="ctr"/>
+            <a:lstStyle/>
+            <a:p>
+              <a:pPr algn="ctr"/>
+              <a:endParaRPr kumimoji="1" lang="ko-Kore-KR" altLang="en-US" sz="1200"/>
+            </a:p>
+          </p:txBody>
+        </p:sp>
+        <p:sp>
+          <p:nvSpPr>
+            <p:cNvPr id="93" name="TextBox 92">
+              <a:extLst>
+                <a:ext uri="{FF2B5EF4-FFF2-40B4-BE49-F238E27FC236}">
+                  <a16:creationId xmlns:a16="http://schemas.microsoft.com/office/drawing/2014/main" id="{7F427EB3-2B10-B84F-829F-545ACEEDD4AE}"/>
+                </a:ext>
+              </a:extLst>
+            </p:cNvPr>
+            <p:cNvSpPr txBox="1"/>
+            <p:nvPr/>
+          </p:nvSpPr>
+          <p:spPr>
+            <a:xfrm>
+              <a:off x="1525704" y="916669"/>
+              <a:ext cx="1731399" cy="276999"/>
+            </a:xfrm>
+            <a:prstGeom prst="rect">
+              <a:avLst/>
+            </a:prstGeom>
+            <a:noFill/>
+          </p:spPr>
+          <p:txBody>
+            <a:bodyPr wrap="square" rtlCol="0">
+              <a:spAutoFit/>
+            </a:bodyPr>
+            <a:lstStyle/>
+            <a:p>
+              <a:pPr algn="ctr"/>
+              <a:r>
+                <a:rPr kumimoji="1" lang="en-US" altLang="ko-Kore-KR" sz="1200" b="1" dirty="0" err="1">
+                  <a:solidFill>
+                    <a:srgbClr val="5DA2C5"/>
+                  </a:solidFill>
+                  <a:latin typeface="SHeadG" panose="02030600000101010101" pitchFamily="18" charset="-127"/>
+                  <a:ea typeface="SHeadG" panose="02030600000101010101" pitchFamily="18" charset="-127"/>
+                </a:rPr>
+                <a:t>JSONMessage</a:t>
+              </a:r>
+              <a:endParaRPr kumimoji="1" lang="ko-Kore-KR" altLang="en-US" sz="1200" b="1" dirty="0">
+                <a:solidFill>
+                  <a:srgbClr val="5DA2C5"/>
+                </a:solidFill>
+                <a:latin typeface="SHeadG" panose="02030600000101010101" pitchFamily="18" charset="-127"/>
+                <a:ea typeface="SHeadG" panose="02030600000101010101" pitchFamily="18" charset="-127"/>
+              </a:endParaRPr>
+            </a:p>
+          </p:txBody>
+        </p:sp>
+        <p:sp>
+          <p:nvSpPr>
+            <p:cNvPr id="94" name="직사각형 93">
+              <a:extLst>
+                <a:ext uri="{FF2B5EF4-FFF2-40B4-BE49-F238E27FC236}">
+                  <a16:creationId xmlns:a16="http://schemas.microsoft.com/office/drawing/2014/main" id="{AAE48DA8-1644-C14E-9033-A5BA0D675979}"/>
+                </a:ext>
+              </a:extLst>
+            </p:cNvPr>
+            <p:cNvSpPr/>
+            <p:nvPr/>
+          </p:nvSpPr>
+          <p:spPr>
+            <a:xfrm>
+              <a:off x="1613840" y="1226514"/>
+              <a:ext cx="1528753" cy="696880"/>
+            </a:xfrm>
+            <a:prstGeom prst="rect">
+              <a:avLst/>
+            </a:prstGeom>
+            <a:ln w="25400">
+              <a:solidFill>
+                <a:srgbClr val="5DA2C5"/>
+              </a:solidFill>
+            </a:ln>
+          </p:spPr>
+          <p:style>
+            <a:lnRef idx="1">
+              <a:schemeClr val="accent1"/>
+            </a:lnRef>
+            <a:fillRef idx="0">
+              <a:schemeClr val="accent1"/>
+            </a:fillRef>
+            <a:effectRef idx="0">
+              <a:schemeClr val="accent1"/>
+            </a:effectRef>
+            <a:fontRef idx="minor">
+              <a:schemeClr val="tx1"/>
+            </a:fontRef>
+          </p:style>
+          <p:txBody>
+            <a:bodyPr rtlCol="0" anchor="ctr"/>
+            <a:lstStyle/>
+            <a:p>
+              <a:pPr algn="ctr"/>
+              <a:endParaRPr kumimoji="1" lang="ko-Kore-KR" altLang="en-US" sz="1200"/>
+            </a:p>
+          </p:txBody>
+        </p:sp>
+      </p:grpSp>
+      <p:grpSp>
+        <p:nvGrpSpPr>
+          <p:cNvPr id="95" name="그룹 94">
+            <a:extLst>
+              <a:ext uri="{FF2B5EF4-FFF2-40B4-BE49-F238E27FC236}">
+                <a16:creationId xmlns:a16="http://schemas.microsoft.com/office/drawing/2014/main" id="{4B888251-2B07-6A49-B610-0BA7DED81B0B}"/>
+              </a:ext>
+            </a:extLst>
+          </p:cNvPr>
+          <p:cNvGrpSpPr/>
+          <p:nvPr/>
+        </p:nvGrpSpPr>
+        <p:grpSpPr>
+          <a:xfrm>
+            <a:off x="6322458" y="4144658"/>
+            <a:ext cx="1786483" cy="1039570"/>
+            <a:chOff x="1536721" y="883824"/>
+            <a:chExt cx="1786483" cy="1039570"/>
+          </a:xfrm>
+        </p:grpSpPr>
+        <p:sp>
+          <p:nvSpPr>
+            <p:cNvPr id="96" name="직사각형 95">
+              <a:extLst>
+                <a:ext uri="{FF2B5EF4-FFF2-40B4-BE49-F238E27FC236}">
+                  <a16:creationId xmlns:a16="http://schemas.microsoft.com/office/drawing/2014/main" id="{044D40A1-EC45-314A-BC80-F400A9BC566C}"/>
+                </a:ext>
+              </a:extLst>
+            </p:cNvPr>
+            <p:cNvSpPr/>
+            <p:nvPr/>
+          </p:nvSpPr>
+          <p:spPr>
+            <a:xfrm>
+              <a:off x="1613840" y="883824"/>
+              <a:ext cx="1650777" cy="342690"/>
+            </a:xfrm>
+            <a:prstGeom prst="rect">
+              <a:avLst/>
+            </a:prstGeom>
+            <a:ln w="25400">
+              <a:solidFill>
+                <a:srgbClr val="5DA2C5"/>
+              </a:solidFill>
+            </a:ln>
+          </p:spPr>
+          <p:style>
+            <a:lnRef idx="1">
+              <a:schemeClr val="accent1"/>
+            </a:lnRef>
+            <a:fillRef idx="0">
+              <a:schemeClr val="accent1"/>
+            </a:fillRef>
+            <a:effectRef idx="0">
+              <a:schemeClr val="accent1"/>
+            </a:effectRef>
+            <a:fontRef idx="minor">
+              <a:schemeClr val="tx1"/>
+            </a:fontRef>
+          </p:style>
+          <p:txBody>
+            <a:bodyPr rtlCol="0" anchor="ctr"/>
+            <a:lstStyle/>
+            <a:p>
+              <a:pPr algn="ctr"/>
+              <a:endParaRPr kumimoji="1" lang="ko-Kore-KR" altLang="en-US" sz="1200"/>
+            </a:p>
+          </p:txBody>
+        </p:sp>
+        <p:sp>
+          <p:nvSpPr>
+            <p:cNvPr id="97" name="TextBox 96">
+              <a:extLst>
+                <a:ext uri="{FF2B5EF4-FFF2-40B4-BE49-F238E27FC236}">
+                  <a16:creationId xmlns:a16="http://schemas.microsoft.com/office/drawing/2014/main" id="{C69E8316-B420-F24E-87B3-AC493BB55902}"/>
+                </a:ext>
+              </a:extLst>
+            </p:cNvPr>
+            <p:cNvSpPr txBox="1"/>
+            <p:nvPr/>
+          </p:nvSpPr>
+          <p:spPr>
+            <a:xfrm>
+              <a:off x="1536721" y="916669"/>
+              <a:ext cx="1786483" cy="276999"/>
+            </a:xfrm>
+            <a:prstGeom prst="rect">
+              <a:avLst/>
+            </a:prstGeom>
+            <a:noFill/>
+          </p:spPr>
+          <p:txBody>
+            <a:bodyPr wrap="square" rtlCol="0">
+              <a:spAutoFit/>
+            </a:bodyPr>
+            <a:lstStyle/>
+            <a:p>
+              <a:pPr algn="ctr"/>
+              <a:r>
+                <a:rPr kumimoji="1" lang="en-US" altLang="ko-Kore-KR" sz="1200" b="1" dirty="0" err="1">
+                  <a:solidFill>
+                    <a:srgbClr val="5DA2C5"/>
+                  </a:solidFill>
+                  <a:latin typeface="SHeadG" panose="02030600000101010101" pitchFamily="18" charset="-127"/>
+                  <a:ea typeface="SHeadG" panose="02030600000101010101" pitchFamily="18" charset="-127"/>
+                </a:rPr>
+                <a:t>JsonMessageCreator</a:t>
+              </a:r>
+              <a:endParaRPr kumimoji="1" lang="ko-Kore-KR" altLang="en-US" sz="1200" b="1" dirty="0">
+                <a:solidFill>
+                  <a:srgbClr val="5DA2C5"/>
+                </a:solidFill>
+                <a:latin typeface="SHeadG" panose="02030600000101010101" pitchFamily="18" charset="-127"/>
+                <a:ea typeface="SHeadG" panose="02030600000101010101" pitchFamily="18" charset="-127"/>
+              </a:endParaRPr>
+            </a:p>
+          </p:txBody>
+        </p:sp>
+        <p:sp>
+          <p:nvSpPr>
+            <p:cNvPr id="98" name="직사각형 97">
+              <a:extLst>
+                <a:ext uri="{FF2B5EF4-FFF2-40B4-BE49-F238E27FC236}">
+                  <a16:creationId xmlns:a16="http://schemas.microsoft.com/office/drawing/2014/main" id="{C7564481-0515-C64B-AD3D-659793E7FBAA}"/>
+                </a:ext>
+              </a:extLst>
+            </p:cNvPr>
+            <p:cNvSpPr/>
+            <p:nvPr/>
+          </p:nvSpPr>
+          <p:spPr>
+            <a:xfrm>
+              <a:off x="1613840" y="1226514"/>
+              <a:ext cx="1650777" cy="696880"/>
+            </a:xfrm>
+            <a:prstGeom prst="rect">
+              <a:avLst/>
+            </a:prstGeom>
+            <a:ln w="25400">
+              <a:solidFill>
+                <a:srgbClr val="5DA2C5"/>
+              </a:solidFill>
+            </a:ln>
+          </p:spPr>
+          <p:style>
+            <a:lnRef idx="1">
+              <a:schemeClr val="accent1"/>
+            </a:lnRef>
+            <a:fillRef idx="0">
+              <a:schemeClr val="accent1"/>
+            </a:fillRef>
+            <a:effectRef idx="0">
+              <a:schemeClr val="accent1"/>
+            </a:effectRef>
+            <a:fontRef idx="minor">
+              <a:schemeClr val="tx1"/>
+            </a:fontRef>
+          </p:style>
+          <p:txBody>
+            <a:bodyPr rtlCol="0" anchor="ctr"/>
+            <a:lstStyle/>
+            <a:p>
+              <a:pPr algn="ctr"/>
+              <a:endParaRPr kumimoji="1" lang="ko-Kore-KR" altLang="en-US" sz="1200"/>
+            </a:p>
+          </p:txBody>
+        </p:sp>
+      </p:grpSp>
+      <p:grpSp>
+        <p:nvGrpSpPr>
+          <p:cNvPr id="99" name="그룹 98">
+            <a:extLst>
+              <a:ext uri="{FF2B5EF4-FFF2-40B4-BE49-F238E27FC236}">
+                <a16:creationId xmlns:a16="http://schemas.microsoft.com/office/drawing/2014/main" id="{092FF455-97B5-4A44-92DF-A99EE3CD8C0F}"/>
+              </a:ext>
+            </a:extLst>
+          </p:cNvPr>
+          <p:cNvGrpSpPr/>
+          <p:nvPr/>
+        </p:nvGrpSpPr>
+        <p:grpSpPr>
+          <a:xfrm>
+            <a:off x="8672158" y="4144658"/>
+            <a:ext cx="1786483" cy="1039570"/>
+            <a:chOff x="1547869" y="883824"/>
+            <a:chExt cx="1786483" cy="1039570"/>
+          </a:xfrm>
+        </p:grpSpPr>
+        <p:sp>
+          <p:nvSpPr>
+            <p:cNvPr id="100" name="직사각형 99">
+              <a:extLst>
+                <a:ext uri="{FF2B5EF4-FFF2-40B4-BE49-F238E27FC236}">
+                  <a16:creationId xmlns:a16="http://schemas.microsoft.com/office/drawing/2014/main" id="{15CDB477-F93B-DE4E-9FD9-87A0DD59D9E1}"/>
+                </a:ext>
+              </a:extLst>
+            </p:cNvPr>
+            <p:cNvSpPr/>
+            <p:nvPr/>
+          </p:nvSpPr>
+          <p:spPr>
+            <a:xfrm>
+              <a:off x="1613840" y="883824"/>
+              <a:ext cx="1650777" cy="342690"/>
+            </a:xfrm>
+            <a:prstGeom prst="rect">
+              <a:avLst/>
+            </a:prstGeom>
+            <a:ln w="25400">
+              <a:solidFill>
+                <a:srgbClr val="5DA2C5"/>
+              </a:solidFill>
+            </a:ln>
+          </p:spPr>
+          <p:style>
+            <a:lnRef idx="1">
+              <a:schemeClr val="accent1"/>
+            </a:lnRef>
+            <a:fillRef idx="0">
+              <a:schemeClr val="accent1"/>
+            </a:fillRef>
+            <a:effectRef idx="0">
+              <a:schemeClr val="accent1"/>
+            </a:effectRef>
+            <a:fontRef idx="minor">
+              <a:schemeClr val="tx1"/>
+            </a:fontRef>
+          </p:style>
+          <p:txBody>
+            <a:bodyPr rtlCol="0" anchor="ctr"/>
+            <a:lstStyle/>
+            <a:p>
+              <a:pPr algn="ctr"/>
+              <a:endParaRPr kumimoji="1" lang="ko-Kore-KR" altLang="en-US" sz="1200"/>
+            </a:p>
+          </p:txBody>
+        </p:sp>
+        <p:sp>
+          <p:nvSpPr>
+            <p:cNvPr id="101" name="TextBox 100">
+              <a:extLst>
+                <a:ext uri="{FF2B5EF4-FFF2-40B4-BE49-F238E27FC236}">
+                  <a16:creationId xmlns:a16="http://schemas.microsoft.com/office/drawing/2014/main" id="{B9636453-76C5-0645-A7AB-AF189472C6F3}"/>
+                </a:ext>
+              </a:extLst>
+            </p:cNvPr>
+            <p:cNvSpPr txBox="1"/>
+            <p:nvPr/>
+          </p:nvSpPr>
+          <p:spPr>
+            <a:xfrm>
+              <a:off x="1547869" y="916669"/>
+              <a:ext cx="1786483" cy="276999"/>
+            </a:xfrm>
+            <a:prstGeom prst="rect">
+              <a:avLst/>
+            </a:prstGeom>
+            <a:noFill/>
+          </p:spPr>
+          <p:txBody>
+            <a:bodyPr wrap="square" rtlCol="0">
+              <a:spAutoFit/>
+            </a:bodyPr>
+            <a:lstStyle/>
+            <a:p>
+              <a:pPr algn="ctr"/>
+              <a:r>
+                <a:rPr kumimoji="1" lang="en-US" altLang="ko-Kore-KR" sz="1200" b="1" dirty="0" err="1">
+                  <a:solidFill>
+                    <a:srgbClr val="5DA2C5"/>
+                  </a:solidFill>
+                  <a:latin typeface="SHeadG" panose="02030600000101010101" pitchFamily="18" charset="-127"/>
+                  <a:ea typeface="SHeadG" panose="02030600000101010101" pitchFamily="18" charset="-127"/>
+                </a:rPr>
+                <a:t>TextMessageCreator</a:t>
+              </a:r>
+              <a:endParaRPr kumimoji="1" lang="ko-Kore-KR" altLang="en-US" sz="1200" b="1" dirty="0">
+                <a:solidFill>
+                  <a:srgbClr val="5DA2C5"/>
+                </a:solidFill>
+                <a:latin typeface="SHeadG" panose="02030600000101010101" pitchFamily="18" charset="-127"/>
+                <a:ea typeface="SHeadG" panose="02030600000101010101" pitchFamily="18" charset="-127"/>
+              </a:endParaRPr>
+            </a:p>
+          </p:txBody>
+        </p:sp>
+        <p:sp>
+          <p:nvSpPr>
+            <p:cNvPr id="102" name="직사각형 101">
+              <a:extLst>
+                <a:ext uri="{FF2B5EF4-FFF2-40B4-BE49-F238E27FC236}">
+                  <a16:creationId xmlns:a16="http://schemas.microsoft.com/office/drawing/2014/main" id="{1637E201-CF01-924B-A704-8F8A23BFCE3A}"/>
+                </a:ext>
+              </a:extLst>
+            </p:cNvPr>
+            <p:cNvSpPr/>
+            <p:nvPr/>
+          </p:nvSpPr>
+          <p:spPr>
+            <a:xfrm>
+              <a:off x="1613840" y="1226514"/>
+              <a:ext cx="1650777" cy="696880"/>
+            </a:xfrm>
+            <a:prstGeom prst="rect">
+              <a:avLst/>
+            </a:prstGeom>
+            <a:ln w="25400">
+              <a:solidFill>
+                <a:srgbClr val="5DA2C5"/>
+              </a:solidFill>
+            </a:ln>
+          </p:spPr>
+          <p:style>
+            <a:lnRef idx="1">
+              <a:schemeClr val="accent1"/>
+            </a:lnRef>
+            <a:fillRef idx="0">
+              <a:schemeClr val="accent1"/>
+            </a:fillRef>
+            <a:effectRef idx="0">
+              <a:schemeClr val="accent1"/>
+            </a:effectRef>
+            <a:fontRef idx="minor">
+              <a:schemeClr val="tx1"/>
+            </a:fontRef>
+          </p:style>
+          <p:txBody>
+            <a:bodyPr rtlCol="0" anchor="ctr"/>
+            <a:lstStyle/>
+            <a:p>
+              <a:pPr algn="ctr"/>
+              <a:endParaRPr kumimoji="1" lang="ko-Kore-KR" altLang="en-US" sz="1200"/>
+            </a:p>
+          </p:txBody>
+        </p:sp>
+      </p:grpSp>
+      <p:cxnSp>
+        <p:nvCxnSpPr>
+          <p:cNvPr id="103" name="직선 화살표 연결선 102">
+            <a:extLst>
+              <a:ext uri="{FF2B5EF4-FFF2-40B4-BE49-F238E27FC236}">
+                <a16:creationId xmlns:a16="http://schemas.microsoft.com/office/drawing/2014/main" id="{E9CD0355-3897-694B-87E2-07FA2DCFD8D0}"/>
+              </a:ext>
+            </a:extLst>
+          </p:cNvPr>
+          <p:cNvCxnSpPr>
+            <a:cxnSpLocks/>
+            <a:stCxn id="88" idx="0"/>
+          </p:cNvCxnSpPr>
+          <p:nvPr/>
+        </p:nvCxnSpPr>
+        <p:spPr>
+          <a:xfrm flipV="1">
+            <a:off x="2486850" y="3429002"/>
+            <a:ext cx="974584" cy="715656"/>
+          </a:xfrm>
+          <a:prstGeom prst="straightConnector1">
+            <a:avLst/>
+          </a:prstGeom>
+          <a:ln w="12700">
+            <a:solidFill>
+              <a:srgbClr val="5DA2C5"/>
+            </a:solidFill>
+            <a:prstDash val="solid"/>
+            <a:tailEnd type="triangle" w="lg" len="lg"/>
+          </a:ln>
+        </p:spPr>
+        <p:style>
+          <a:lnRef idx="1">
+            <a:schemeClr val="accent1"/>
+          </a:lnRef>
+          <a:fillRef idx="0">
+            <a:schemeClr val="accent1"/>
+          </a:fillRef>
+          <a:effectRef idx="0">
+            <a:schemeClr val="accent1"/>
+          </a:effectRef>
+          <a:fontRef idx="minor">
+            <a:schemeClr val="tx1"/>
+          </a:fontRef>
+        </p:style>
+      </p:cxnSp>
+      <p:sp>
+        <p:nvSpPr>
+          <p:cNvPr id="104" name="TextBox 103">
+            <a:extLst>
+              <a:ext uri="{FF2B5EF4-FFF2-40B4-BE49-F238E27FC236}">
+                <a16:creationId xmlns:a16="http://schemas.microsoft.com/office/drawing/2014/main" id="{7260BA41-045E-8743-B64B-A9987939AD67}"/>
+              </a:ext>
+            </a:extLst>
+          </p:cNvPr>
+          <p:cNvSpPr txBox="1"/>
+          <p:nvPr/>
+        </p:nvSpPr>
+        <p:spPr>
+          <a:xfrm>
+            <a:off x="204773" y="217941"/>
+            <a:ext cx="4892744" cy="523220"/>
+          </a:xfrm>
+          <a:prstGeom prst="rect">
+            <a:avLst/>
+          </a:prstGeom>
+          <a:noFill/>
+        </p:spPr>
+        <p:txBody>
+          <a:bodyPr wrap="square" rtlCol="0">
+            <a:spAutoFit/>
+          </a:bodyPr>
+          <a:lstStyle/>
+          <a:p>
+            <a:r>
+              <a:rPr kumimoji="1" lang="ko-KR" altLang="en-US" sz="2800" b="1" dirty="0" err="1">
+                <a:solidFill>
+                  <a:srgbClr val="5DA2C5"/>
+                </a:solidFill>
+                <a:latin typeface="SHeadG" panose="02030600000101010101" pitchFamily="18" charset="-127"/>
+                <a:ea typeface="SHeadG" panose="02030600000101010101" pitchFamily="18" charset="-127"/>
+              </a:rPr>
+              <a:t>팩토리</a:t>
+            </a:r>
+            <a:r>
+              <a:rPr kumimoji="1" lang="ko-KR" altLang="en-US" sz="2800" b="1" dirty="0">
+                <a:solidFill>
+                  <a:srgbClr val="5DA2C5"/>
+                </a:solidFill>
+                <a:latin typeface="SHeadG" panose="02030600000101010101" pitchFamily="18" charset="-127"/>
+                <a:ea typeface="SHeadG" panose="02030600000101010101" pitchFamily="18" charset="-127"/>
+              </a:rPr>
+              <a:t> </a:t>
+            </a:r>
+            <a:r>
+              <a:rPr kumimoji="1" lang="ko-KR" altLang="en-US" sz="2800" b="1" dirty="0" err="1">
+                <a:solidFill>
+                  <a:srgbClr val="5DA2C5"/>
+                </a:solidFill>
+                <a:latin typeface="SHeadG" panose="02030600000101010101" pitchFamily="18" charset="-127"/>
+                <a:ea typeface="SHeadG" panose="02030600000101010101" pitchFamily="18" charset="-127"/>
+              </a:rPr>
+              <a:t>메소드</a:t>
+            </a:r>
+            <a:r>
+              <a:rPr kumimoji="1" lang="ko-KR" altLang="en-US" sz="2800" b="1" dirty="0">
+                <a:solidFill>
+                  <a:srgbClr val="5DA2C5"/>
+                </a:solidFill>
+                <a:latin typeface="SHeadG" panose="02030600000101010101" pitchFamily="18" charset="-127"/>
+                <a:ea typeface="SHeadG" panose="02030600000101010101" pitchFamily="18" charset="-127"/>
+              </a:rPr>
+              <a:t> 패턴</a:t>
+            </a:r>
+            <a:r>
+              <a:rPr kumimoji="1" lang="en-US" altLang="ko-KR" sz="2800" b="1" dirty="0">
+                <a:solidFill>
+                  <a:srgbClr val="5DA2C5"/>
+                </a:solidFill>
+                <a:latin typeface="SHeadG" panose="02030600000101010101" pitchFamily="18" charset="-127"/>
+                <a:ea typeface="SHeadG" panose="02030600000101010101" pitchFamily="18" charset="-127"/>
+              </a:rPr>
+              <a:t> : </a:t>
+            </a:r>
+            <a:r>
+              <a:rPr kumimoji="1" lang="ko-KR" altLang="en-US" sz="2800" b="1" dirty="0">
+                <a:solidFill>
+                  <a:srgbClr val="5DA2C5"/>
+                </a:solidFill>
+                <a:latin typeface="SHeadG" panose="02030600000101010101" pitchFamily="18" charset="-127"/>
+                <a:ea typeface="SHeadG" panose="02030600000101010101" pitchFamily="18" charset="-127"/>
+              </a:rPr>
+              <a:t>예제 </a:t>
+            </a:r>
+            <a:r>
+              <a:rPr kumimoji="1" lang="en-US" altLang="ko-KR" sz="2800" b="1" dirty="0">
+                <a:solidFill>
+                  <a:srgbClr val="5DA2C5"/>
+                </a:solidFill>
+                <a:latin typeface="SHeadG" panose="02030600000101010101" pitchFamily="18" charset="-127"/>
+                <a:ea typeface="SHeadG" panose="02030600000101010101" pitchFamily="18" charset="-127"/>
+              </a:rPr>
+              <a:t>UML</a:t>
+            </a:r>
+            <a:endParaRPr kumimoji="1" lang="ko-Kore-KR" altLang="en-US" sz="2800" b="1" dirty="0">
+              <a:solidFill>
+                <a:srgbClr val="5DA2C5"/>
+              </a:solidFill>
+              <a:latin typeface="SHeadG" panose="02030600000101010101" pitchFamily="18" charset="-127"/>
+              <a:ea typeface="SHeadG" panose="02030600000101010101" pitchFamily="18" charset="-127"/>
+            </a:endParaRPr>
+          </a:p>
+        </p:txBody>
+      </p:sp>
+      <p:cxnSp>
+        <p:nvCxnSpPr>
+          <p:cNvPr id="105" name="직선 화살표 연결선 104">
+            <a:extLst>
+              <a:ext uri="{FF2B5EF4-FFF2-40B4-BE49-F238E27FC236}">
+                <a16:creationId xmlns:a16="http://schemas.microsoft.com/office/drawing/2014/main" id="{4CB6D973-9753-6D4F-837F-C3976E84722E}"/>
+              </a:ext>
+            </a:extLst>
+          </p:cNvPr>
+          <p:cNvCxnSpPr>
+            <a:cxnSpLocks/>
+            <a:stCxn id="92" idx="0"/>
+          </p:cNvCxnSpPr>
+          <p:nvPr/>
+        </p:nvCxnSpPr>
+        <p:spPr>
+          <a:xfrm flipH="1" flipV="1">
+            <a:off x="3850818" y="3429000"/>
+            <a:ext cx="974584" cy="715658"/>
+          </a:xfrm>
+          <a:prstGeom prst="straightConnector1">
+            <a:avLst/>
+          </a:prstGeom>
+          <a:ln w="12700">
+            <a:solidFill>
+              <a:srgbClr val="5DA2C5"/>
+            </a:solidFill>
+            <a:prstDash val="solid"/>
+            <a:tailEnd type="triangle" w="lg" len="lg"/>
+          </a:ln>
+        </p:spPr>
+        <p:style>
+          <a:lnRef idx="1">
+            <a:schemeClr val="accent1"/>
+          </a:lnRef>
+          <a:fillRef idx="0">
+            <a:schemeClr val="accent1"/>
+          </a:fillRef>
+          <a:effectRef idx="0">
+            <a:schemeClr val="accent1"/>
+          </a:effectRef>
+          <a:fontRef idx="minor">
+            <a:schemeClr val="tx1"/>
+          </a:fontRef>
+        </p:style>
+      </p:cxnSp>
+      <p:cxnSp>
+        <p:nvCxnSpPr>
+          <p:cNvPr id="108" name="직선 화살표 연결선 107">
+            <a:extLst>
+              <a:ext uri="{FF2B5EF4-FFF2-40B4-BE49-F238E27FC236}">
+                <a16:creationId xmlns:a16="http://schemas.microsoft.com/office/drawing/2014/main" id="{F066EEEB-3EBA-9E4E-94E5-E63EEF740819}"/>
+              </a:ext>
+            </a:extLst>
+          </p:cNvPr>
+          <p:cNvCxnSpPr>
+            <a:cxnSpLocks/>
+            <a:stCxn id="98" idx="1"/>
+            <a:endCxn id="94" idx="3"/>
+          </p:cNvCxnSpPr>
+          <p:nvPr/>
+        </p:nvCxnSpPr>
+        <p:spPr>
+          <a:xfrm flipH="1">
+            <a:off x="5589778" y="4835788"/>
+            <a:ext cx="809799" cy="0"/>
+          </a:xfrm>
+          <a:prstGeom prst="straightConnector1">
+            <a:avLst/>
+          </a:prstGeom>
+          <a:ln w="12700">
+            <a:solidFill>
+              <a:srgbClr val="5DA2C5"/>
+            </a:solidFill>
+            <a:prstDash val="dash"/>
+            <a:tailEnd type="arrow" w="lg" len="lg"/>
+          </a:ln>
+        </p:spPr>
+        <p:style>
+          <a:lnRef idx="1">
+            <a:schemeClr val="accent1"/>
+          </a:lnRef>
+          <a:fillRef idx="0">
+            <a:schemeClr val="accent1"/>
+          </a:fillRef>
+          <a:effectRef idx="0">
+            <a:schemeClr val="accent1"/>
+          </a:effectRef>
+          <a:fontRef idx="minor">
+            <a:schemeClr val="tx1"/>
+          </a:fontRef>
+        </p:style>
+      </p:cxnSp>
+      <p:cxnSp>
+        <p:nvCxnSpPr>
+          <p:cNvPr id="112" name="직선 화살표 연결선 111">
+            <a:extLst>
+              <a:ext uri="{FF2B5EF4-FFF2-40B4-BE49-F238E27FC236}">
+                <a16:creationId xmlns:a16="http://schemas.microsoft.com/office/drawing/2014/main" id="{3FD05C05-2C78-F54E-A688-C9E962F49826}"/>
+              </a:ext>
+            </a:extLst>
+          </p:cNvPr>
+          <p:cNvCxnSpPr>
+            <a:cxnSpLocks/>
+          </p:cNvCxnSpPr>
+          <p:nvPr/>
+        </p:nvCxnSpPr>
+        <p:spPr>
+          <a:xfrm flipV="1">
+            <a:off x="7172355" y="3429000"/>
+            <a:ext cx="974584" cy="715656"/>
+          </a:xfrm>
+          <a:prstGeom prst="straightConnector1">
+            <a:avLst/>
+          </a:prstGeom>
+          <a:ln w="12700">
+            <a:solidFill>
+              <a:srgbClr val="5DA2C5"/>
+            </a:solidFill>
+            <a:prstDash val="solid"/>
+            <a:tailEnd type="triangle" w="lg" len="lg"/>
+          </a:ln>
+        </p:spPr>
+        <p:style>
+          <a:lnRef idx="1">
+            <a:schemeClr val="accent1"/>
+          </a:lnRef>
+          <a:fillRef idx="0">
+            <a:schemeClr val="accent1"/>
+          </a:fillRef>
+          <a:effectRef idx="0">
+            <a:schemeClr val="accent1"/>
+          </a:effectRef>
+          <a:fontRef idx="minor">
+            <a:schemeClr val="tx1"/>
+          </a:fontRef>
+        </p:style>
+      </p:cxnSp>
+      <p:cxnSp>
+        <p:nvCxnSpPr>
+          <p:cNvPr id="113" name="직선 화살표 연결선 112">
+            <a:extLst>
+              <a:ext uri="{FF2B5EF4-FFF2-40B4-BE49-F238E27FC236}">
+                <a16:creationId xmlns:a16="http://schemas.microsoft.com/office/drawing/2014/main" id="{35A99ABA-9F95-8C43-A383-ADA71BF0527D}"/>
+              </a:ext>
+            </a:extLst>
+          </p:cNvPr>
+          <p:cNvCxnSpPr>
+            <a:cxnSpLocks/>
+          </p:cNvCxnSpPr>
+          <p:nvPr/>
+        </p:nvCxnSpPr>
+        <p:spPr>
+          <a:xfrm flipH="1" flipV="1">
+            <a:off x="8519520" y="3429000"/>
+            <a:ext cx="999788" cy="724386"/>
+          </a:xfrm>
+          <a:prstGeom prst="straightConnector1">
+            <a:avLst/>
+          </a:prstGeom>
+          <a:ln w="12700">
+            <a:solidFill>
+              <a:srgbClr val="5DA2C5"/>
+            </a:solidFill>
+            <a:prstDash val="solid"/>
+            <a:tailEnd type="triangle" w="lg" len="lg"/>
+          </a:ln>
+        </p:spPr>
+        <p:style>
+          <a:lnRef idx="1">
+            <a:schemeClr val="accent1"/>
+          </a:lnRef>
+          <a:fillRef idx="0">
+            <a:schemeClr val="accent1"/>
+          </a:fillRef>
+          <a:effectRef idx="0">
+            <a:schemeClr val="accent1"/>
+          </a:effectRef>
+          <a:fontRef idx="minor">
+            <a:schemeClr val="tx1"/>
+          </a:fontRef>
+        </p:style>
+      </p:cxnSp>
+      <p:cxnSp>
+        <p:nvCxnSpPr>
+          <p:cNvPr id="115" name="꺾인 연결선[E] 114">
+            <a:extLst>
+              <a:ext uri="{FF2B5EF4-FFF2-40B4-BE49-F238E27FC236}">
+                <a16:creationId xmlns:a16="http://schemas.microsoft.com/office/drawing/2014/main" id="{B8A012FF-F206-E54D-B267-A23262CE5B6C}"/>
+              </a:ext>
+            </a:extLst>
+          </p:cNvPr>
+          <p:cNvCxnSpPr>
+            <a:cxnSpLocks/>
+            <a:stCxn id="102" idx="2"/>
+            <a:endCxn id="90" idx="2"/>
+          </p:cNvCxnSpPr>
+          <p:nvPr/>
+        </p:nvCxnSpPr>
+        <p:spPr>
+          <a:xfrm rot="5400000">
+            <a:off x="6025184" y="1645894"/>
+            <a:ext cx="12700" cy="7076668"/>
+          </a:xfrm>
+          <a:prstGeom prst="bentConnector3">
+            <a:avLst>
+              <a:gd name="adj1" fmla="val 1800000"/>
+            </a:avLst>
+          </a:prstGeom>
+          <a:ln w="12700">
+            <a:solidFill>
+              <a:srgbClr val="5DA2C5"/>
+            </a:solidFill>
+            <a:prstDash val="dash"/>
+            <a:tailEnd type="arrow" w="lg" len="lg"/>
+          </a:ln>
+        </p:spPr>
+        <p:style>
+          <a:lnRef idx="1">
+            <a:schemeClr val="accent1"/>
+          </a:lnRef>
+          <a:fillRef idx="0">
+            <a:schemeClr val="accent1"/>
+          </a:fillRef>
+          <a:effectRef idx="0">
+            <a:schemeClr val="accent1"/>
+          </a:effectRef>
+          <a:fontRef idx="minor">
+            <a:schemeClr val="tx1"/>
+          </a:fontRef>
+        </p:style>
+      </p:cxnSp>
+      <p:sp>
+        <p:nvSpPr>
+          <p:cNvPr id="131" name="모서리가 둥근 직사각형 130">
+            <a:extLst>
+              <a:ext uri="{FF2B5EF4-FFF2-40B4-BE49-F238E27FC236}">
+                <a16:creationId xmlns:a16="http://schemas.microsoft.com/office/drawing/2014/main" id="{112F362D-A437-6741-AC81-6B2950B6F498}"/>
+              </a:ext>
+            </a:extLst>
+          </p:cNvPr>
+          <p:cNvSpPr/>
+          <p:nvPr/>
+        </p:nvSpPr>
+        <p:spPr>
+          <a:xfrm>
+            <a:off x="415906" y="1064749"/>
+            <a:ext cx="11360187" cy="5444158"/>
+          </a:xfrm>
+          <a:prstGeom prst="roundRect">
+            <a:avLst>
+              <a:gd name="adj" fmla="val 2595"/>
+            </a:avLst>
+          </a:prstGeom>
+          <a:noFill/>
+          <a:ln w="6350">
+            <a:solidFill>
+              <a:schemeClr val="accent1">
+                <a:lumMod val="60000"/>
+                <a:lumOff val="40000"/>
+              </a:schemeClr>
+            </a:solidFill>
+            <a:prstDash val="dash"/>
+          </a:ln>
+        </p:spPr>
+        <p:style>
+          <a:lnRef idx="2">
+            <a:schemeClr val="accent1">
+              <a:shade val="50000"/>
+            </a:schemeClr>
+          </a:lnRef>
+          <a:fillRef idx="1">
+            <a:schemeClr val="accent1"/>
+          </a:fillRef>
+          <a:effectRef idx="0">
+            <a:schemeClr val="accent1"/>
+          </a:effectRef>
+          <a:fontRef idx="minor">
+            <a:schemeClr val="lt1"/>
+          </a:fontRef>
+        </p:style>
+        <p:txBody>
+          <a:bodyPr rtlCol="0" anchor="ctr"/>
+          <a:lstStyle/>
+          <a:p>
+            <a:pPr algn="ctr"/>
+            <a:endParaRPr kumimoji="1" lang="ko-KR" altLang="en-US"/>
+          </a:p>
+        </p:txBody>
+      </p:sp>
+    </p:spTree>
+    <p:extLst>
+      <p:ext uri="{BB962C8B-B14F-4D97-AF65-F5344CB8AC3E}">
+        <p14:creationId xmlns:p14="http://schemas.microsoft.com/office/powerpoint/2010/main" val="3764990847"/>
+      </p:ext>
+    </p:extLst>
+  </p:cSld>
+  <p:clrMapOvr>
+    <a:masterClrMapping/>
+  </p:clrMapOvr>
+</p:sld>
+</file>
+
+<file path=ppt/slides/slide3.xml><?xml version="1.0" encoding="utf-8"?>
+<p:sld xmlns:a="http://schemas.openxmlformats.org/drawingml/2006/main" xmlns:r="http://schemas.openxmlformats.org/officeDocument/2006/relationships" xmlns:p="http://schemas.openxmlformats.org/presentationml/2006/main">
+  <p:cSld>
+    <p:spTree>
+      <p:nvGrpSpPr>
+        <p:cNvPr id="1" name=""/>
+        <p:cNvGrpSpPr/>
+        <p:nvPr/>
+      </p:nvGrpSpPr>
+      <p:grpSpPr>
+        <a:xfrm>
+          <a:off x="0" y="0"/>
+          <a:ext cx="0" cy="0"/>
+          <a:chOff x="0" y="0"/>
+          <a:chExt cx="0" cy="0"/>
+        </a:xfrm>
+      </p:grpSpPr>
+      <p:grpSp>
+        <p:nvGrpSpPr>
+          <p:cNvPr id="87" name="그룹 86">
+            <a:extLst>
+              <a:ext uri="{FF2B5EF4-FFF2-40B4-BE49-F238E27FC236}">
+                <a16:creationId xmlns:a16="http://schemas.microsoft.com/office/drawing/2014/main" id="{2C42C6EE-A366-E546-898A-7D13EFECCB9F}"/>
+              </a:ext>
+            </a:extLst>
+          </p:cNvPr>
+          <p:cNvGrpSpPr/>
+          <p:nvPr/>
+        </p:nvGrpSpPr>
+        <p:grpSpPr>
+          <a:xfrm>
+            <a:off x="2730324" y="2389430"/>
+            <a:ext cx="1550787" cy="1039570"/>
+            <a:chOff x="1591806" y="883824"/>
+            <a:chExt cx="1550787" cy="1039570"/>
+          </a:xfrm>
+        </p:grpSpPr>
+        <p:sp>
+          <p:nvSpPr>
+            <p:cNvPr id="88" name="직사각형 87">
+              <a:extLst>
+                <a:ext uri="{FF2B5EF4-FFF2-40B4-BE49-F238E27FC236}">
+                  <a16:creationId xmlns:a16="http://schemas.microsoft.com/office/drawing/2014/main" id="{64D5B666-DA08-A24D-B0B5-BB660F2D5741}"/>
+                </a:ext>
+              </a:extLst>
+            </p:cNvPr>
+            <p:cNvSpPr/>
+            <p:nvPr/>
+          </p:nvSpPr>
+          <p:spPr>
+            <a:xfrm>
+              <a:off x="1613840" y="883824"/>
+              <a:ext cx="1528753" cy="342690"/>
+            </a:xfrm>
+            <a:prstGeom prst="rect">
+              <a:avLst/>
+            </a:prstGeom>
+            <a:ln w="25400">
+              <a:solidFill>
+                <a:srgbClr val="5DA2C5"/>
+              </a:solidFill>
+            </a:ln>
+          </p:spPr>
+          <p:style>
+            <a:lnRef idx="1">
+              <a:schemeClr val="accent1"/>
+            </a:lnRef>
+            <a:fillRef idx="0">
+              <a:schemeClr val="accent1"/>
+            </a:fillRef>
+            <a:effectRef idx="0">
+              <a:schemeClr val="accent1"/>
+            </a:effectRef>
+            <a:fontRef idx="minor">
+              <a:schemeClr val="tx1"/>
+            </a:fontRef>
+          </p:style>
+          <p:txBody>
+            <a:bodyPr rtlCol="0" anchor="ctr"/>
+            <a:lstStyle/>
+            <a:p>
+              <a:pPr algn="ctr"/>
+              <a:endParaRPr kumimoji="1" lang="ko-Kore-KR" altLang="en-US" sz="1200"/>
+            </a:p>
+          </p:txBody>
+        </p:sp>
+        <p:sp>
+          <p:nvSpPr>
+            <p:cNvPr id="89" name="TextBox 88">
+              <a:extLst>
+                <a:ext uri="{FF2B5EF4-FFF2-40B4-BE49-F238E27FC236}">
+                  <a16:creationId xmlns:a16="http://schemas.microsoft.com/office/drawing/2014/main" id="{9B5DC2C1-A336-A34B-B3C8-E0FDC101D9BD}"/>
+                </a:ext>
+              </a:extLst>
+            </p:cNvPr>
+            <p:cNvSpPr txBox="1"/>
+            <p:nvPr/>
+          </p:nvSpPr>
+          <p:spPr>
+            <a:xfrm>
+              <a:off x="1591806" y="916669"/>
+              <a:ext cx="1550787" cy="276999"/>
+            </a:xfrm>
+            <a:prstGeom prst="rect">
+              <a:avLst/>
+            </a:prstGeom>
+            <a:noFill/>
+          </p:spPr>
+          <p:txBody>
+            <a:bodyPr wrap="square" rtlCol="0">
+              <a:spAutoFit/>
+            </a:bodyPr>
+            <a:lstStyle/>
+            <a:p>
+              <a:pPr algn="ctr"/>
+              <a:r>
+                <a:rPr kumimoji="1" lang="en-US" altLang="ko-Kore-KR" sz="1200" b="1" dirty="0">
+                  <a:solidFill>
+                    <a:srgbClr val="5DA2C5"/>
+                  </a:solidFill>
+                  <a:latin typeface="SHeadG" panose="02030600000101010101" pitchFamily="18" charset="-127"/>
+                  <a:ea typeface="SHeadG" panose="02030600000101010101" pitchFamily="18" charset="-127"/>
+                </a:rPr>
+                <a:t>Client</a:t>
+              </a:r>
+              <a:endParaRPr kumimoji="1" lang="ko-Kore-KR" altLang="en-US" sz="1200" b="1" dirty="0">
+                <a:solidFill>
+                  <a:srgbClr val="5DA2C5"/>
+                </a:solidFill>
+                <a:latin typeface="SHeadG" panose="02030600000101010101" pitchFamily="18" charset="-127"/>
+                <a:ea typeface="SHeadG" panose="02030600000101010101" pitchFamily="18" charset="-127"/>
+              </a:endParaRPr>
+            </a:p>
+          </p:txBody>
+        </p:sp>
+        <p:sp>
+          <p:nvSpPr>
+            <p:cNvPr id="90" name="직사각형 89">
+              <a:extLst>
+                <a:ext uri="{FF2B5EF4-FFF2-40B4-BE49-F238E27FC236}">
+                  <a16:creationId xmlns:a16="http://schemas.microsoft.com/office/drawing/2014/main" id="{6995E2BD-5F87-A648-86CB-5B29B362A0DF}"/>
+                </a:ext>
+              </a:extLst>
+            </p:cNvPr>
+            <p:cNvSpPr/>
+            <p:nvPr/>
+          </p:nvSpPr>
+          <p:spPr>
+            <a:xfrm>
+              <a:off x="1613840" y="1226514"/>
+              <a:ext cx="1528753" cy="696880"/>
+            </a:xfrm>
+            <a:prstGeom prst="rect">
+              <a:avLst/>
+            </a:prstGeom>
+            <a:ln w="25400">
+              <a:solidFill>
+                <a:srgbClr val="5DA2C5"/>
+              </a:solidFill>
+            </a:ln>
+          </p:spPr>
+          <p:style>
+            <a:lnRef idx="1">
+              <a:schemeClr val="accent1"/>
+            </a:lnRef>
+            <a:fillRef idx="0">
+              <a:schemeClr val="accent1"/>
+            </a:fillRef>
+            <a:effectRef idx="0">
+              <a:schemeClr val="accent1"/>
+            </a:effectRef>
+            <a:fontRef idx="minor">
+              <a:schemeClr val="tx1"/>
+            </a:fontRef>
+          </p:style>
+          <p:txBody>
+            <a:bodyPr rtlCol="0" anchor="ctr"/>
+            <a:lstStyle/>
+            <a:p>
+              <a:pPr algn="ctr"/>
+              <a:endParaRPr kumimoji="1" lang="ko-Kore-KR" altLang="en-US" sz="1200"/>
+            </a:p>
+          </p:txBody>
+        </p:sp>
+      </p:grpSp>
+      <p:grpSp>
+        <p:nvGrpSpPr>
+          <p:cNvPr id="95" name="그룹 94">
+            <a:extLst>
+              <a:ext uri="{FF2B5EF4-FFF2-40B4-BE49-F238E27FC236}">
+                <a16:creationId xmlns:a16="http://schemas.microsoft.com/office/drawing/2014/main" id="{4B888251-2B07-6A49-B610-0BA7DED81B0B}"/>
+              </a:ext>
+            </a:extLst>
+          </p:cNvPr>
+          <p:cNvGrpSpPr/>
+          <p:nvPr/>
+        </p:nvGrpSpPr>
+        <p:grpSpPr>
+          <a:xfrm>
+            <a:off x="4086558" y="4144658"/>
+            <a:ext cx="2470359" cy="1039570"/>
+            <a:chOff x="973504" y="883824"/>
+            <a:chExt cx="2470359" cy="1039570"/>
+          </a:xfrm>
+        </p:grpSpPr>
+        <p:sp>
+          <p:nvSpPr>
+            <p:cNvPr id="96" name="직사각형 95">
+              <a:extLst>
+                <a:ext uri="{FF2B5EF4-FFF2-40B4-BE49-F238E27FC236}">
+                  <a16:creationId xmlns:a16="http://schemas.microsoft.com/office/drawing/2014/main" id="{044D40A1-EC45-314A-BC80-F400A9BC566C}"/>
+                </a:ext>
+              </a:extLst>
+            </p:cNvPr>
+            <p:cNvSpPr/>
+            <p:nvPr/>
+          </p:nvSpPr>
+          <p:spPr>
+            <a:xfrm>
+              <a:off x="973504" y="883824"/>
+              <a:ext cx="2470359" cy="342690"/>
+            </a:xfrm>
+            <a:prstGeom prst="rect">
+              <a:avLst/>
+            </a:prstGeom>
+            <a:ln w="25400">
+              <a:solidFill>
+                <a:srgbClr val="5DA2C5"/>
+              </a:solidFill>
+            </a:ln>
+          </p:spPr>
+          <p:style>
+            <a:lnRef idx="1">
+              <a:schemeClr val="accent1"/>
+            </a:lnRef>
+            <a:fillRef idx="0">
+              <a:schemeClr val="accent1"/>
+            </a:fillRef>
+            <a:effectRef idx="0">
+              <a:schemeClr val="accent1"/>
+            </a:effectRef>
+            <a:fontRef idx="minor">
+              <a:schemeClr val="tx1"/>
+            </a:fontRef>
+          </p:style>
+          <p:txBody>
+            <a:bodyPr rtlCol="0" anchor="ctr"/>
+            <a:lstStyle/>
+            <a:p>
+              <a:pPr algn="ctr"/>
+              <a:endParaRPr kumimoji="1" lang="ko-Kore-KR" altLang="en-US" sz="1200"/>
+            </a:p>
+          </p:txBody>
+        </p:sp>
+        <p:sp>
+          <p:nvSpPr>
+            <p:cNvPr id="97" name="TextBox 96">
+              <a:extLst>
+                <a:ext uri="{FF2B5EF4-FFF2-40B4-BE49-F238E27FC236}">
+                  <a16:creationId xmlns:a16="http://schemas.microsoft.com/office/drawing/2014/main" id="{C69E8316-B420-F24E-87B3-AC493BB55902}"/>
+                </a:ext>
+              </a:extLst>
+            </p:cNvPr>
+            <p:cNvSpPr txBox="1"/>
+            <p:nvPr/>
+          </p:nvSpPr>
+          <p:spPr>
+            <a:xfrm>
+              <a:off x="973505" y="916669"/>
+              <a:ext cx="2470358" cy="276999"/>
+            </a:xfrm>
+            <a:prstGeom prst="rect">
+              <a:avLst/>
+            </a:prstGeom>
+            <a:noFill/>
+          </p:spPr>
+          <p:txBody>
+            <a:bodyPr wrap="square" rtlCol="0">
+              <a:spAutoFit/>
+            </a:bodyPr>
+            <a:lstStyle/>
+            <a:p>
+              <a:pPr algn="ctr"/>
+              <a:r>
+                <a:rPr kumimoji="1" lang="en-US" altLang="ko-Kore-KR" sz="1200" b="1" dirty="0" err="1">
+                  <a:solidFill>
+                    <a:srgbClr val="5DA2C5"/>
+                  </a:solidFill>
+                  <a:latin typeface="SHeadG" panose="02030600000101010101" pitchFamily="18" charset="-127"/>
+                  <a:ea typeface="SHeadG" panose="02030600000101010101" pitchFamily="18" charset="-127"/>
+                </a:rPr>
+                <a:t>ConcretePrototypeA</a:t>
+              </a:r>
+              <a:endParaRPr kumimoji="1" lang="ko-Kore-KR" altLang="en-US" sz="1200" b="1" dirty="0">
+                <a:solidFill>
+                  <a:srgbClr val="5DA2C5"/>
+                </a:solidFill>
+                <a:latin typeface="SHeadG" panose="02030600000101010101" pitchFamily="18" charset="-127"/>
+                <a:ea typeface="SHeadG" panose="02030600000101010101" pitchFamily="18" charset="-127"/>
+              </a:endParaRPr>
+            </a:p>
+          </p:txBody>
+        </p:sp>
+        <p:sp>
+          <p:nvSpPr>
+            <p:cNvPr id="98" name="직사각형 97">
+              <a:extLst>
+                <a:ext uri="{FF2B5EF4-FFF2-40B4-BE49-F238E27FC236}">
+                  <a16:creationId xmlns:a16="http://schemas.microsoft.com/office/drawing/2014/main" id="{C7564481-0515-C64B-AD3D-659793E7FBAA}"/>
+                </a:ext>
+              </a:extLst>
+            </p:cNvPr>
+            <p:cNvSpPr/>
+            <p:nvPr/>
+          </p:nvSpPr>
+          <p:spPr>
+            <a:xfrm>
+              <a:off x="973504" y="1226514"/>
+              <a:ext cx="2470359" cy="696880"/>
+            </a:xfrm>
+            <a:prstGeom prst="rect">
+              <a:avLst/>
+            </a:prstGeom>
+            <a:ln w="25400">
+              <a:solidFill>
+                <a:srgbClr val="5DA2C5"/>
+              </a:solidFill>
+            </a:ln>
+          </p:spPr>
+          <p:style>
+            <a:lnRef idx="1">
+              <a:schemeClr val="accent1"/>
+            </a:lnRef>
+            <a:fillRef idx="0">
+              <a:schemeClr val="accent1"/>
+            </a:fillRef>
+            <a:effectRef idx="0">
+              <a:schemeClr val="accent1"/>
+            </a:effectRef>
+            <a:fontRef idx="minor">
+              <a:schemeClr val="tx1"/>
+            </a:fontRef>
+          </p:style>
+          <p:txBody>
+            <a:bodyPr rtlCol="0" anchor="ctr"/>
+            <a:lstStyle/>
+            <a:p>
+              <a:pPr algn="ctr"/>
+              <a:endParaRPr kumimoji="1" lang="ko-Kore-KR" altLang="en-US" sz="1200"/>
+            </a:p>
+          </p:txBody>
+        </p:sp>
+      </p:grpSp>
+      <p:sp>
+        <p:nvSpPr>
+          <p:cNvPr id="104" name="TextBox 103">
+            <a:extLst>
+              <a:ext uri="{FF2B5EF4-FFF2-40B4-BE49-F238E27FC236}">
+                <a16:creationId xmlns:a16="http://schemas.microsoft.com/office/drawing/2014/main" id="{7260BA41-045E-8743-B64B-A9987939AD67}"/>
+              </a:ext>
+            </a:extLst>
+          </p:cNvPr>
+          <p:cNvSpPr txBox="1"/>
+          <p:nvPr/>
+        </p:nvSpPr>
+        <p:spPr>
+          <a:xfrm>
+            <a:off x="204773" y="217941"/>
+            <a:ext cx="4892744" cy="523220"/>
+          </a:xfrm>
+          <a:prstGeom prst="rect">
+            <a:avLst/>
+          </a:prstGeom>
+          <a:noFill/>
+        </p:spPr>
+        <p:txBody>
+          <a:bodyPr wrap="square" rtlCol="0">
+            <a:spAutoFit/>
+          </a:bodyPr>
+          <a:lstStyle/>
+          <a:p>
+            <a:r>
+              <a:rPr kumimoji="1" lang="ko-KR" altLang="en-US" sz="2800" b="1" dirty="0" err="1">
+                <a:solidFill>
+                  <a:srgbClr val="5DA2C5"/>
+                </a:solidFill>
+                <a:latin typeface="SHeadG" panose="02030600000101010101" pitchFamily="18" charset="-127"/>
+                <a:ea typeface="SHeadG" panose="02030600000101010101" pitchFamily="18" charset="-127"/>
+              </a:rPr>
+              <a:t>프로토타입</a:t>
+            </a:r>
+            <a:r>
+              <a:rPr kumimoji="1" lang="ko-KR" altLang="en-US" sz="2800" b="1" dirty="0">
+                <a:solidFill>
+                  <a:srgbClr val="5DA2C5"/>
+                </a:solidFill>
+                <a:latin typeface="SHeadG" panose="02030600000101010101" pitchFamily="18" charset="-127"/>
+                <a:ea typeface="SHeadG" panose="02030600000101010101" pitchFamily="18" charset="-127"/>
+              </a:rPr>
+              <a:t> 패턴</a:t>
+            </a:r>
+            <a:endParaRPr kumimoji="1" lang="ko-Kore-KR" altLang="en-US" sz="2800" b="1" dirty="0">
+              <a:solidFill>
+                <a:srgbClr val="5DA2C5"/>
+              </a:solidFill>
+              <a:latin typeface="SHeadG" panose="02030600000101010101" pitchFamily="18" charset="-127"/>
+              <a:ea typeface="SHeadG" panose="02030600000101010101" pitchFamily="18" charset="-127"/>
+            </a:endParaRPr>
+          </a:p>
+        </p:txBody>
+      </p:sp>
+      <p:cxnSp>
+        <p:nvCxnSpPr>
+          <p:cNvPr id="112" name="직선 화살표 연결선 111">
+            <a:extLst>
+              <a:ext uri="{FF2B5EF4-FFF2-40B4-BE49-F238E27FC236}">
+                <a16:creationId xmlns:a16="http://schemas.microsoft.com/office/drawing/2014/main" id="{3FD05C05-2C78-F54E-A688-C9E962F49826}"/>
+              </a:ext>
+            </a:extLst>
+          </p:cNvPr>
+          <p:cNvCxnSpPr>
+            <a:cxnSpLocks/>
+          </p:cNvCxnSpPr>
+          <p:nvPr/>
+        </p:nvCxnSpPr>
+        <p:spPr>
+          <a:xfrm flipV="1">
+            <a:off x="5499672" y="3429000"/>
+            <a:ext cx="974584" cy="715656"/>
+          </a:xfrm>
+          <a:prstGeom prst="straightConnector1">
+            <a:avLst/>
+          </a:prstGeom>
+          <a:ln w="12700">
+            <a:solidFill>
+              <a:srgbClr val="5DA2C5"/>
+            </a:solidFill>
+            <a:prstDash val="solid"/>
+            <a:tailEnd type="triangle" w="lg" len="lg"/>
+          </a:ln>
+        </p:spPr>
+        <p:style>
+          <a:lnRef idx="1">
+            <a:schemeClr val="accent1"/>
+          </a:lnRef>
+          <a:fillRef idx="0">
+            <a:schemeClr val="accent1"/>
+          </a:fillRef>
+          <a:effectRef idx="0">
+            <a:schemeClr val="accent1"/>
+          </a:effectRef>
+          <a:fontRef idx="minor">
+            <a:schemeClr val="tx1"/>
+          </a:fontRef>
+        </p:style>
+      </p:cxnSp>
+      <p:cxnSp>
+        <p:nvCxnSpPr>
+          <p:cNvPr id="113" name="직선 화살표 연결선 112">
+            <a:extLst>
+              <a:ext uri="{FF2B5EF4-FFF2-40B4-BE49-F238E27FC236}">
+                <a16:creationId xmlns:a16="http://schemas.microsoft.com/office/drawing/2014/main" id="{35A99ABA-9F95-8C43-A383-ADA71BF0527D}"/>
+              </a:ext>
+            </a:extLst>
+          </p:cNvPr>
+          <p:cNvCxnSpPr>
+            <a:cxnSpLocks/>
+          </p:cNvCxnSpPr>
+          <p:nvPr/>
+        </p:nvCxnSpPr>
+        <p:spPr>
+          <a:xfrm flipH="1" flipV="1">
+            <a:off x="6846837" y="3429000"/>
+            <a:ext cx="999788" cy="724386"/>
+          </a:xfrm>
+          <a:prstGeom prst="straightConnector1">
+            <a:avLst/>
+          </a:prstGeom>
+          <a:ln w="12700">
+            <a:solidFill>
+              <a:srgbClr val="5DA2C5"/>
+            </a:solidFill>
+            <a:prstDash val="solid"/>
+            <a:tailEnd type="triangle" w="lg" len="lg"/>
+          </a:ln>
+        </p:spPr>
+        <p:style>
+          <a:lnRef idx="1">
+            <a:schemeClr val="accent1"/>
+          </a:lnRef>
+          <a:fillRef idx="0">
+            <a:schemeClr val="accent1"/>
+          </a:fillRef>
+          <a:effectRef idx="0">
+            <a:schemeClr val="accent1"/>
+          </a:effectRef>
+          <a:fontRef idx="minor">
+            <a:schemeClr val="tx1"/>
+          </a:fontRef>
+        </p:style>
+      </p:cxnSp>
+      <p:sp>
+        <p:nvSpPr>
+          <p:cNvPr id="131" name="모서리가 둥근 직사각형 130">
+            <a:extLst>
+              <a:ext uri="{FF2B5EF4-FFF2-40B4-BE49-F238E27FC236}">
+                <a16:creationId xmlns:a16="http://schemas.microsoft.com/office/drawing/2014/main" id="{112F362D-A437-6741-AC81-6B2950B6F498}"/>
+              </a:ext>
+            </a:extLst>
+          </p:cNvPr>
+          <p:cNvSpPr/>
+          <p:nvPr/>
+        </p:nvSpPr>
+        <p:spPr>
+          <a:xfrm>
+            <a:off x="415906" y="1064749"/>
+            <a:ext cx="11360187" cy="5444158"/>
+          </a:xfrm>
+          <a:prstGeom prst="roundRect">
+            <a:avLst>
+              <a:gd name="adj" fmla="val 2595"/>
+            </a:avLst>
+          </a:prstGeom>
+          <a:noFill/>
+          <a:ln w="6350">
+            <a:solidFill>
+              <a:schemeClr val="accent1">
+                <a:lumMod val="60000"/>
+                <a:lumOff val="40000"/>
+              </a:schemeClr>
+            </a:solidFill>
+            <a:prstDash val="dash"/>
+          </a:ln>
+        </p:spPr>
+        <p:style>
+          <a:lnRef idx="2">
+            <a:schemeClr val="accent1">
+              <a:shade val="50000"/>
+            </a:schemeClr>
+          </a:lnRef>
+          <a:fillRef idx="1">
+            <a:schemeClr val="accent1"/>
+          </a:fillRef>
+          <a:effectRef idx="0">
+            <a:schemeClr val="accent1"/>
+          </a:effectRef>
+          <a:fontRef idx="minor">
+            <a:schemeClr val="lt1"/>
+          </a:fontRef>
+        </p:style>
+        <p:txBody>
+          <a:bodyPr rtlCol="0" anchor="ctr"/>
+          <a:lstStyle/>
+          <a:p>
+            <a:pPr algn="ctr"/>
+            <a:endParaRPr kumimoji="1" lang="ko-KR" altLang="en-US"/>
+          </a:p>
+        </p:txBody>
+      </p:sp>
+      <p:grpSp>
+        <p:nvGrpSpPr>
+          <p:cNvPr id="2" name="그룹 1">
+            <a:extLst>
+              <a:ext uri="{FF2B5EF4-FFF2-40B4-BE49-F238E27FC236}">
+                <a16:creationId xmlns:a16="http://schemas.microsoft.com/office/drawing/2014/main" id="{392A626F-023D-7D4B-8F60-A27FDFE401E5}"/>
+              </a:ext>
+            </a:extLst>
+          </p:cNvPr>
+          <p:cNvGrpSpPr/>
+          <p:nvPr/>
+        </p:nvGrpSpPr>
+        <p:grpSpPr>
+          <a:xfrm>
+            <a:off x="5824654" y="2365313"/>
+            <a:ext cx="1703341" cy="1039570"/>
+            <a:chOff x="4530191" y="2396965"/>
+            <a:chExt cx="1703341" cy="1039570"/>
+          </a:xfrm>
+        </p:grpSpPr>
+        <p:grpSp>
+          <p:nvGrpSpPr>
+            <p:cNvPr id="3" name="그룹 2">
+              <a:extLst>
+                <a:ext uri="{FF2B5EF4-FFF2-40B4-BE49-F238E27FC236}">
+                  <a16:creationId xmlns:a16="http://schemas.microsoft.com/office/drawing/2014/main" id="{0314F49E-2FF1-8949-A1FE-EAC4B8510E4E}"/>
+                </a:ext>
+              </a:extLst>
+            </p:cNvPr>
+            <p:cNvGrpSpPr/>
+            <p:nvPr/>
+          </p:nvGrpSpPr>
+          <p:grpSpPr>
+            <a:xfrm>
+              <a:off x="4530191" y="2396965"/>
+              <a:ext cx="1686680" cy="1039570"/>
+              <a:chOff x="1613840" y="883824"/>
+              <a:chExt cx="1686680" cy="1039570"/>
+            </a:xfrm>
+          </p:grpSpPr>
+          <p:sp>
+            <p:nvSpPr>
+              <p:cNvPr id="76" name="직사각형 75">
+                <a:extLst>
+                  <a:ext uri="{FF2B5EF4-FFF2-40B4-BE49-F238E27FC236}">
+                    <a16:creationId xmlns:a16="http://schemas.microsoft.com/office/drawing/2014/main" id="{9AE36E10-3A16-694F-B10E-A4506FE06853}"/>
+                  </a:ext>
+                </a:extLst>
+              </p:cNvPr>
+              <p:cNvSpPr/>
+              <p:nvPr/>
+            </p:nvSpPr>
+            <p:spPr>
+              <a:xfrm>
+                <a:off x="1613840" y="883824"/>
+                <a:ext cx="1686680" cy="527319"/>
+              </a:xfrm>
+              <a:prstGeom prst="rect">
+                <a:avLst/>
+              </a:prstGeom>
+              <a:ln w="25400">
+                <a:solidFill>
+                  <a:srgbClr val="5DA2C5"/>
+                </a:solidFill>
+              </a:ln>
+            </p:spPr>
+            <p:style>
+              <a:lnRef idx="1">
+                <a:schemeClr val="accent1"/>
+              </a:lnRef>
+              <a:fillRef idx="0">
+                <a:schemeClr val="accent1"/>
+              </a:fillRef>
+              <a:effectRef idx="0">
+                <a:schemeClr val="accent1"/>
+              </a:effectRef>
+              <a:fontRef idx="minor">
+                <a:schemeClr val="tx1"/>
+              </a:fontRef>
+            </p:style>
+            <p:txBody>
+              <a:bodyPr rtlCol="0" anchor="ctr"/>
+              <a:lstStyle/>
+              <a:p>
+                <a:pPr algn="ctr"/>
+                <a:endParaRPr kumimoji="1" lang="ko-Kore-KR" altLang="en-US" sz="1200"/>
+              </a:p>
+            </p:txBody>
+          </p:sp>
+          <p:sp>
+            <p:nvSpPr>
+              <p:cNvPr id="78" name="TextBox 77">
+                <a:extLst>
+                  <a:ext uri="{FF2B5EF4-FFF2-40B4-BE49-F238E27FC236}">
+                    <a16:creationId xmlns:a16="http://schemas.microsoft.com/office/drawing/2014/main" id="{6BA29A0F-9338-AA44-9FF7-9F6B88DB16BA}"/>
+                  </a:ext>
+                </a:extLst>
+              </p:cNvPr>
+              <p:cNvSpPr txBox="1"/>
+              <p:nvPr/>
+            </p:nvSpPr>
+            <p:spPr>
+              <a:xfrm>
+                <a:off x="1613840" y="916669"/>
+                <a:ext cx="1528753" cy="461665"/>
+              </a:xfrm>
+              <a:prstGeom prst="rect">
+                <a:avLst/>
+              </a:prstGeom>
+              <a:noFill/>
+            </p:spPr>
+            <p:txBody>
+              <a:bodyPr wrap="square" rtlCol="0">
+                <a:spAutoFit/>
+              </a:bodyPr>
+              <a:lstStyle/>
+              <a:p>
+                <a:pPr algn="ctr"/>
+                <a:r>
+                  <a:rPr kumimoji="1" lang="en-US" altLang="ko-Kore-KR" sz="1200" i="1" dirty="0">
+                    <a:solidFill>
+                      <a:srgbClr val="5DA2C5"/>
+                    </a:solidFill>
+                    <a:latin typeface="SHeadG" panose="02030600000101010101" pitchFamily="18" charset="-127"/>
+                    <a:ea typeface="SHeadG" panose="02030600000101010101" pitchFamily="18" charset="-127"/>
+                  </a:rPr>
+                  <a:t>&lt;&lt;abstract&gt;&gt;</a:t>
+                </a:r>
+              </a:p>
+              <a:p>
+                <a:pPr algn="ctr"/>
+                <a:r>
+                  <a:rPr kumimoji="1" lang="en-US" altLang="ko-Kore-KR" sz="1200" b="1" dirty="0">
+                    <a:solidFill>
+                      <a:srgbClr val="5DA2C5"/>
+                    </a:solidFill>
+                    <a:latin typeface="SHeadG" panose="02030600000101010101" pitchFamily="18" charset="-127"/>
+                    <a:ea typeface="SHeadG" panose="02030600000101010101" pitchFamily="18" charset="-127"/>
+                  </a:rPr>
+                  <a:t>Prototype</a:t>
+                </a:r>
+                <a:endParaRPr kumimoji="1" lang="ko-Kore-KR" altLang="en-US" sz="1200" b="1" dirty="0">
+                  <a:solidFill>
+                    <a:srgbClr val="5DA2C5"/>
+                  </a:solidFill>
+                  <a:latin typeface="SHeadG" panose="02030600000101010101" pitchFamily="18" charset="-127"/>
+                  <a:ea typeface="SHeadG" panose="02030600000101010101" pitchFamily="18" charset="-127"/>
+                </a:endParaRPr>
+              </a:p>
+            </p:txBody>
+          </p:sp>
+          <p:sp>
+            <p:nvSpPr>
+              <p:cNvPr id="79" name="직사각형 78">
+                <a:extLst>
+                  <a:ext uri="{FF2B5EF4-FFF2-40B4-BE49-F238E27FC236}">
+                    <a16:creationId xmlns:a16="http://schemas.microsoft.com/office/drawing/2014/main" id="{DE4E74A3-3601-0145-BE20-72C12141C157}"/>
+                  </a:ext>
+                </a:extLst>
+              </p:cNvPr>
+              <p:cNvSpPr/>
+              <p:nvPr/>
+            </p:nvSpPr>
+            <p:spPr>
+              <a:xfrm>
+                <a:off x="1613840" y="1411145"/>
+                <a:ext cx="1686680" cy="512249"/>
+              </a:xfrm>
+              <a:prstGeom prst="rect">
+                <a:avLst/>
+              </a:prstGeom>
+              <a:ln w="25400">
+                <a:solidFill>
+                  <a:srgbClr val="5DA2C5"/>
+                </a:solidFill>
+              </a:ln>
+            </p:spPr>
+            <p:style>
+              <a:lnRef idx="1">
+                <a:schemeClr val="accent1"/>
+              </a:lnRef>
+              <a:fillRef idx="0">
+                <a:schemeClr val="accent1"/>
+              </a:fillRef>
+              <a:effectRef idx="0">
+                <a:schemeClr val="accent1"/>
+              </a:effectRef>
+              <a:fontRef idx="minor">
+                <a:schemeClr val="tx1"/>
+              </a:fontRef>
+            </p:style>
+            <p:txBody>
+              <a:bodyPr rtlCol="0" anchor="ctr"/>
+              <a:lstStyle/>
+              <a:p>
+                <a:pPr algn="ctr"/>
+                <a:endParaRPr kumimoji="1" lang="ko-Kore-KR" altLang="en-US" sz="1200"/>
+              </a:p>
+            </p:txBody>
+          </p:sp>
+        </p:grpSp>
+        <p:sp>
+          <p:nvSpPr>
+            <p:cNvPr id="34" name="TextBox 33">
+              <a:extLst>
+                <a:ext uri="{FF2B5EF4-FFF2-40B4-BE49-F238E27FC236}">
+                  <a16:creationId xmlns:a16="http://schemas.microsoft.com/office/drawing/2014/main" id="{ED953BC1-523C-5A43-BA62-F613F41639A5}"/>
+                </a:ext>
+              </a:extLst>
+            </p:cNvPr>
+            <p:cNvSpPr txBox="1"/>
+            <p:nvPr/>
+          </p:nvSpPr>
+          <p:spPr>
+            <a:xfrm>
+              <a:off x="4546852" y="2942061"/>
+              <a:ext cx="1686680" cy="276999"/>
+            </a:xfrm>
+            <a:prstGeom prst="rect">
+              <a:avLst/>
+            </a:prstGeom>
+            <a:noFill/>
+          </p:spPr>
+          <p:txBody>
+            <a:bodyPr wrap="square" rtlCol="0">
+              <a:spAutoFit/>
+            </a:bodyPr>
+            <a:lstStyle/>
+            <a:p>
+              <a:r>
+                <a:rPr kumimoji="1" lang="en-US" altLang="ko-Kore-KR" sz="1200" dirty="0">
+                  <a:solidFill>
+                    <a:srgbClr val="5DA2C5"/>
+                  </a:solidFill>
+                  <a:latin typeface="SHeadG" panose="02030600000101010101" pitchFamily="18" charset="-127"/>
+                  <a:ea typeface="SHeadG" panose="02030600000101010101" pitchFamily="18" charset="-127"/>
+                </a:rPr>
+                <a:t>+ clone(): Prototype</a:t>
+              </a:r>
+              <a:endParaRPr kumimoji="1" lang="ko-Kore-KR" altLang="en-US" sz="1200" dirty="0">
+                <a:solidFill>
+                  <a:srgbClr val="5DA2C5"/>
+                </a:solidFill>
+                <a:latin typeface="SHeadG" panose="02030600000101010101" pitchFamily="18" charset="-127"/>
+                <a:ea typeface="SHeadG" panose="02030600000101010101" pitchFamily="18" charset="-127"/>
+              </a:endParaRPr>
+            </a:p>
+          </p:txBody>
+        </p:sp>
+      </p:grpSp>
+      <p:sp>
+        <p:nvSpPr>
+          <p:cNvPr id="36" name="TextBox 35">
+            <a:extLst>
+              <a:ext uri="{FF2B5EF4-FFF2-40B4-BE49-F238E27FC236}">
+                <a16:creationId xmlns:a16="http://schemas.microsoft.com/office/drawing/2014/main" id="{57B76526-00A5-5B4D-8734-EA51A88190E9}"/>
+              </a:ext>
+            </a:extLst>
+          </p:cNvPr>
+          <p:cNvSpPr txBox="1"/>
+          <p:nvPr/>
+        </p:nvSpPr>
+        <p:spPr>
+          <a:xfrm>
+            <a:off x="4098351" y="4558788"/>
+            <a:ext cx="2569643" cy="276999"/>
+          </a:xfrm>
+          <a:prstGeom prst="rect">
+            <a:avLst/>
+          </a:prstGeom>
+          <a:noFill/>
+        </p:spPr>
+        <p:txBody>
+          <a:bodyPr wrap="square" rtlCol="0">
+            <a:spAutoFit/>
+          </a:bodyPr>
+          <a:lstStyle/>
+          <a:p>
+            <a:r>
+              <a:rPr kumimoji="1" lang="en-US" altLang="ko-Kore-KR" sz="1200" dirty="0">
+                <a:solidFill>
+                  <a:srgbClr val="5DA2C5"/>
+                </a:solidFill>
+                <a:latin typeface="SHeadG" panose="02030600000101010101" pitchFamily="18" charset="-127"/>
+                <a:ea typeface="SHeadG" panose="02030600000101010101" pitchFamily="18" charset="-127"/>
+              </a:rPr>
+              <a:t>+ clone(): </a:t>
+            </a:r>
+            <a:r>
+              <a:rPr kumimoji="1" lang="en-US" altLang="ko-Kore-KR" sz="1200" dirty="0" err="1">
+                <a:solidFill>
+                  <a:srgbClr val="5DA2C5"/>
+                </a:solidFill>
+                <a:latin typeface="SHeadG" panose="02030600000101010101" pitchFamily="18" charset="-127"/>
+                <a:ea typeface="SHeadG" panose="02030600000101010101" pitchFamily="18" charset="-127"/>
+              </a:rPr>
+              <a:t>ConcretePrototypeA</a:t>
+            </a:r>
+            <a:endParaRPr kumimoji="1" lang="ko-Kore-KR" altLang="en-US" sz="1200" dirty="0">
+              <a:solidFill>
+                <a:srgbClr val="5DA2C5"/>
+              </a:solidFill>
+              <a:latin typeface="SHeadG" panose="02030600000101010101" pitchFamily="18" charset="-127"/>
+              <a:ea typeface="SHeadG" panose="02030600000101010101" pitchFamily="18" charset="-127"/>
+            </a:endParaRPr>
+          </a:p>
+        </p:txBody>
+      </p:sp>
+      <p:grpSp>
+        <p:nvGrpSpPr>
+          <p:cNvPr id="37" name="그룹 36">
+            <a:extLst>
+              <a:ext uri="{FF2B5EF4-FFF2-40B4-BE49-F238E27FC236}">
+                <a16:creationId xmlns:a16="http://schemas.microsoft.com/office/drawing/2014/main" id="{3DC37081-3695-3746-87CF-AF70F4EBCD5B}"/>
+              </a:ext>
+            </a:extLst>
+          </p:cNvPr>
+          <p:cNvGrpSpPr/>
+          <p:nvPr/>
+        </p:nvGrpSpPr>
+        <p:grpSpPr>
+          <a:xfrm>
+            <a:off x="7094549" y="4153386"/>
+            <a:ext cx="2470359" cy="1039570"/>
+            <a:chOff x="973504" y="883824"/>
+            <a:chExt cx="2470359" cy="1039570"/>
+          </a:xfrm>
+        </p:grpSpPr>
+        <p:sp>
+          <p:nvSpPr>
+            <p:cNvPr id="38" name="직사각형 37">
+              <a:extLst>
+                <a:ext uri="{FF2B5EF4-FFF2-40B4-BE49-F238E27FC236}">
+                  <a16:creationId xmlns:a16="http://schemas.microsoft.com/office/drawing/2014/main" id="{1D7B33EE-0161-A944-A5B0-AFC57F726A9E}"/>
+                </a:ext>
+              </a:extLst>
+            </p:cNvPr>
+            <p:cNvSpPr/>
+            <p:nvPr/>
+          </p:nvSpPr>
+          <p:spPr>
+            <a:xfrm>
+              <a:off x="973504" y="883824"/>
+              <a:ext cx="2470359" cy="342690"/>
+            </a:xfrm>
+            <a:prstGeom prst="rect">
+              <a:avLst/>
+            </a:prstGeom>
+            <a:ln w="25400">
+              <a:solidFill>
+                <a:srgbClr val="5DA2C5"/>
+              </a:solidFill>
+            </a:ln>
+          </p:spPr>
+          <p:style>
+            <a:lnRef idx="1">
+              <a:schemeClr val="accent1"/>
+            </a:lnRef>
+            <a:fillRef idx="0">
+              <a:schemeClr val="accent1"/>
+            </a:fillRef>
+            <a:effectRef idx="0">
+              <a:schemeClr val="accent1"/>
+            </a:effectRef>
+            <a:fontRef idx="minor">
+              <a:schemeClr val="tx1"/>
+            </a:fontRef>
+          </p:style>
+          <p:txBody>
+            <a:bodyPr rtlCol="0" anchor="ctr"/>
+            <a:lstStyle/>
+            <a:p>
+              <a:pPr algn="ctr"/>
+              <a:endParaRPr kumimoji="1" lang="ko-Kore-KR" altLang="en-US" sz="1200"/>
+            </a:p>
+          </p:txBody>
+        </p:sp>
+        <p:sp>
+          <p:nvSpPr>
+            <p:cNvPr id="39" name="TextBox 38">
+              <a:extLst>
+                <a:ext uri="{FF2B5EF4-FFF2-40B4-BE49-F238E27FC236}">
+                  <a16:creationId xmlns:a16="http://schemas.microsoft.com/office/drawing/2014/main" id="{3330551A-0275-2545-A726-270D01349AC6}"/>
+                </a:ext>
+              </a:extLst>
+            </p:cNvPr>
+            <p:cNvSpPr txBox="1"/>
+            <p:nvPr/>
+          </p:nvSpPr>
+          <p:spPr>
+            <a:xfrm>
+              <a:off x="973505" y="916669"/>
+              <a:ext cx="2470358" cy="276999"/>
+            </a:xfrm>
+            <a:prstGeom prst="rect">
+              <a:avLst/>
+            </a:prstGeom>
+            <a:noFill/>
+          </p:spPr>
+          <p:txBody>
+            <a:bodyPr wrap="square" rtlCol="0">
+              <a:spAutoFit/>
+            </a:bodyPr>
+            <a:lstStyle/>
+            <a:p>
+              <a:pPr algn="ctr"/>
+              <a:r>
+                <a:rPr kumimoji="1" lang="en-US" altLang="ko-Kore-KR" sz="1200" b="1" dirty="0" err="1">
+                  <a:solidFill>
+                    <a:srgbClr val="5DA2C5"/>
+                  </a:solidFill>
+                  <a:latin typeface="SHeadG" panose="02030600000101010101" pitchFamily="18" charset="-127"/>
+                  <a:ea typeface="SHeadG" panose="02030600000101010101" pitchFamily="18" charset="-127"/>
+                </a:rPr>
+                <a:t>ConcretePrototypeB</a:t>
+              </a:r>
+              <a:endParaRPr kumimoji="1" lang="ko-Kore-KR" altLang="en-US" sz="1200" b="1" dirty="0">
+                <a:solidFill>
+                  <a:srgbClr val="5DA2C5"/>
+                </a:solidFill>
+                <a:latin typeface="SHeadG" panose="02030600000101010101" pitchFamily="18" charset="-127"/>
+                <a:ea typeface="SHeadG" panose="02030600000101010101" pitchFamily="18" charset="-127"/>
+              </a:endParaRPr>
+            </a:p>
+          </p:txBody>
+        </p:sp>
+        <p:sp>
+          <p:nvSpPr>
+            <p:cNvPr id="40" name="직사각형 39">
+              <a:extLst>
+                <a:ext uri="{FF2B5EF4-FFF2-40B4-BE49-F238E27FC236}">
+                  <a16:creationId xmlns:a16="http://schemas.microsoft.com/office/drawing/2014/main" id="{A4E39A5C-C6ED-E04B-9C32-9F22461B7248}"/>
+                </a:ext>
+              </a:extLst>
+            </p:cNvPr>
+            <p:cNvSpPr/>
+            <p:nvPr/>
+          </p:nvSpPr>
+          <p:spPr>
+            <a:xfrm>
+              <a:off x="973504" y="1226514"/>
+              <a:ext cx="2470359" cy="696880"/>
+            </a:xfrm>
+            <a:prstGeom prst="rect">
+              <a:avLst/>
+            </a:prstGeom>
+            <a:ln w="25400">
+              <a:solidFill>
+                <a:srgbClr val="5DA2C5"/>
+              </a:solidFill>
+            </a:ln>
+          </p:spPr>
+          <p:style>
+            <a:lnRef idx="1">
+              <a:schemeClr val="accent1"/>
+            </a:lnRef>
+            <a:fillRef idx="0">
+              <a:schemeClr val="accent1"/>
+            </a:fillRef>
+            <a:effectRef idx="0">
+              <a:schemeClr val="accent1"/>
+            </a:effectRef>
+            <a:fontRef idx="minor">
+              <a:schemeClr val="tx1"/>
+            </a:fontRef>
+          </p:style>
+          <p:txBody>
+            <a:bodyPr rtlCol="0" anchor="ctr"/>
+            <a:lstStyle/>
+            <a:p>
+              <a:pPr algn="ctr"/>
+              <a:endParaRPr kumimoji="1" lang="ko-Kore-KR" altLang="en-US" sz="1200"/>
+            </a:p>
+          </p:txBody>
+        </p:sp>
+      </p:grpSp>
+      <p:sp>
+        <p:nvSpPr>
+          <p:cNvPr id="41" name="TextBox 40">
+            <a:extLst>
+              <a:ext uri="{FF2B5EF4-FFF2-40B4-BE49-F238E27FC236}">
+                <a16:creationId xmlns:a16="http://schemas.microsoft.com/office/drawing/2014/main" id="{52C024AD-1DC1-1146-A25E-3CFF6B9532E0}"/>
+              </a:ext>
+            </a:extLst>
+          </p:cNvPr>
+          <p:cNvSpPr txBox="1"/>
+          <p:nvPr/>
+        </p:nvSpPr>
+        <p:spPr>
+          <a:xfrm>
+            <a:off x="7106342" y="4567516"/>
+            <a:ext cx="2470359" cy="276999"/>
+          </a:xfrm>
+          <a:prstGeom prst="rect">
+            <a:avLst/>
+          </a:prstGeom>
+          <a:noFill/>
+        </p:spPr>
+        <p:txBody>
+          <a:bodyPr wrap="square" rtlCol="0">
+            <a:spAutoFit/>
+          </a:bodyPr>
+          <a:lstStyle/>
+          <a:p>
+            <a:r>
+              <a:rPr kumimoji="1" lang="en-US" altLang="ko-Kore-KR" sz="1200" dirty="0">
+                <a:solidFill>
+                  <a:srgbClr val="5DA2C5"/>
+                </a:solidFill>
+                <a:latin typeface="SHeadG" panose="02030600000101010101" pitchFamily="18" charset="-127"/>
+                <a:ea typeface="SHeadG" panose="02030600000101010101" pitchFamily="18" charset="-127"/>
+              </a:rPr>
+              <a:t>+ clone(): </a:t>
+            </a:r>
+            <a:r>
+              <a:rPr kumimoji="1" lang="en-US" altLang="ko-Kore-KR" sz="1200" dirty="0" err="1">
+                <a:solidFill>
+                  <a:srgbClr val="5DA2C5"/>
+                </a:solidFill>
+                <a:latin typeface="SHeadG" panose="02030600000101010101" pitchFamily="18" charset="-127"/>
+                <a:ea typeface="SHeadG" panose="02030600000101010101" pitchFamily="18" charset="-127"/>
+              </a:rPr>
+              <a:t>ConcretePrototypeB</a:t>
+            </a:r>
+            <a:endParaRPr kumimoji="1" lang="ko-Kore-KR" altLang="en-US" sz="1200" dirty="0">
+              <a:solidFill>
+                <a:srgbClr val="5DA2C5"/>
+              </a:solidFill>
+              <a:latin typeface="SHeadG" panose="02030600000101010101" pitchFamily="18" charset="-127"/>
+              <a:ea typeface="SHeadG" panose="02030600000101010101" pitchFamily="18" charset="-127"/>
+            </a:endParaRPr>
+          </a:p>
+        </p:txBody>
+      </p:sp>
+      <p:cxnSp>
+        <p:nvCxnSpPr>
+          <p:cNvPr id="42" name="직선 화살표 연결선 41">
+            <a:extLst>
+              <a:ext uri="{FF2B5EF4-FFF2-40B4-BE49-F238E27FC236}">
+                <a16:creationId xmlns:a16="http://schemas.microsoft.com/office/drawing/2014/main" id="{F85DE165-3B5C-F84B-91DF-F347E6EF209A}"/>
+              </a:ext>
+            </a:extLst>
+          </p:cNvPr>
+          <p:cNvCxnSpPr>
+            <a:cxnSpLocks/>
+          </p:cNvCxnSpPr>
+          <p:nvPr/>
+        </p:nvCxnSpPr>
+        <p:spPr>
+          <a:xfrm>
+            <a:off x="4281111" y="2910409"/>
+            <a:ext cx="1543543" cy="0"/>
+          </a:xfrm>
+          <a:prstGeom prst="straightConnector1">
+            <a:avLst/>
+          </a:prstGeom>
+          <a:ln w="12700">
+            <a:solidFill>
+              <a:srgbClr val="5DA2C5"/>
+            </a:solidFill>
+            <a:prstDash val="dash"/>
+            <a:tailEnd type="arrow" w="lg" len="lg"/>
+          </a:ln>
+        </p:spPr>
+        <p:style>
+          <a:lnRef idx="1">
+            <a:schemeClr val="accent1"/>
+          </a:lnRef>
+          <a:fillRef idx="0">
+            <a:schemeClr val="accent1"/>
+          </a:fillRef>
+          <a:effectRef idx="0">
+            <a:schemeClr val="accent1"/>
+          </a:effectRef>
+          <a:fontRef idx="minor">
+            <a:schemeClr val="tx1"/>
+          </a:fontRef>
+        </p:style>
+      </p:cxnSp>
+      <p:sp>
+        <p:nvSpPr>
+          <p:cNvPr id="45" name="TextBox 44">
+            <a:extLst>
+              <a:ext uri="{FF2B5EF4-FFF2-40B4-BE49-F238E27FC236}">
+                <a16:creationId xmlns:a16="http://schemas.microsoft.com/office/drawing/2014/main" id="{49AAC732-BF9F-B64C-BA3B-ADC4A00DA195}"/>
+              </a:ext>
+            </a:extLst>
+          </p:cNvPr>
+          <p:cNvSpPr txBox="1"/>
+          <p:nvPr/>
+        </p:nvSpPr>
+        <p:spPr>
+          <a:xfrm>
+            <a:off x="525883" y="2250633"/>
+            <a:ext cx="2148552" cy="646331"/>
+          </a:xfrm>
+          <a:prstGeom prst="rect">
+            <a:avLst/>
+          </a:prstGeom>
+          <a:noFill/>
+        </p:spPr>
+        <p:txBody>
+          <a:bodyPr wrap="square" rtlCol="0">
+            <a:spAutoFit/>
+          </a:bodyPr>
+          <a:lstStyle/>
+          <a:p>
+            <a:r>
+              <a:rPr kumimoji="1" lang="en-US" altLang="ko-Kore-KR" sz="1200" dirty="0">
+                <a:solidFill>
+                  <a:schemeClr val="tx1">
+                    <a:lumMod val="75000"/>
+                    <a:lumOff val="25000"/>
+                  </a:schemeClr>
+                </a:solidFill>
+                <a:latin typeface="SHeadG" panose="02030600000101010101" pitchFamily="18" charset="-127"/>
+                <a:ea typeface="SHeadG" panose="02030600000101010101" pitchFamily="18" charset="-127"/>
+              </a:rPr>
+              <a:t>Client </a:t>
+            </a:r>
+            <a:r>
+              <a:rPr kumimoji="1" lang="ko-KR" altLang="en-US" sz="1200" dirty="0">
+                <a:solidFill>
+                  <a:schemeClr val="tx1">
+                    <a:lumMod val="75000"/>
+                    <a:lumOff val="25000"/>
+                  </a:schemeClr>
+                </a:solidFill>
+                <a:latin typeface="SHeadG" panose="02030600000101010101" pitchFamily="18" charset="-127"/>
+                <a:ea typeface="SHeadG" panose="02030600000101010101" pitchFamily="18" charset="-127"/>
+              </a:rPr>
+              <a:t>역할</a:t>
+            </a:r>
+            <a:endParaRPr kumimoji="1" lang="en-US" altLang="ko-KR" sz="1200" dirty="0">
+              <a:solidFill>
+                <a:schemeClr val="tx1">
+                  <a:lumMod val="75000"/>
+                  <a:lumOff val="25000"/>
+                </a:schemeClr>
+              </a:solidFill>
+              <a:latin typeface="SHeadG" panose="02030600000101010101" pitchFamily="18" charset="-127"/>
+              <a:ea typeface="SHeadG" panose="02030600000101010101" pitchFamily="18" charset="-127"/>
+            </a:endParaRPr>
+          </a:p>
+          <a:p>
+            <a:r>
+              <a:rPr kumimoji="1" lang="en-US" altLang="ko-KR" sz="1200" dirty="0">
+                <a:solidFill>
+                  <a:schemeClr val="tx1">
+                    <a:lumMod val="75000"/>
+                    <a:lumOff val="25000"/>
+                  </a:schemeClr>
+                </a:solidFill>
+                <a:latin typeface="SHeadG" panose="02030600000101010101" pitchFamily="18" charset="-127"/>
+                <a:ea typeface="SHeadG" panose="02030600000101010101" pitchFamily="18" charset="-127"/>
+              </a:rPr>
+              <a:t>-</a:t>
+            </a:r>
+            <a:r>
+              <a:rPr kumimoji="1" lang="ko-KR" altLang="en-US" sz="1200" dirty="0">
+                <a:solidFill>
+                  <a:schemeClr val="tx1">
+                    <a:lumMod val="75000"/>
+                    <a:lumOff val="25000"/>
+                  </a:schemeClr>
+                </a:solidFill>
+                <a:latin typeface="SHeadG" panose="02030600000101010101" pitchFamily="18" charset="-127"/>
+                <a:ea typeface="SHeadG" panose="02030600000101010101" pitchFamily="18" charset="-127"/>
+              </a:rPr>
+              <a:t> 프로토타입의 </a:t>
+            </a:r>
+            <a:r>
+              <a:rPr kumimoji="1" lang="en-US" altLang="ko-KR" sz="1200" dirty="0">
+                <a:solidFill>
+                  <a:schemeClr val="tx1">
+                    <a:lumMod val="75000"/>
+                    <a:lumOff val="25000"/>
+                  </a:schemeClr>
+                </a:solidFill>
+                <a:latin typeface="SHeadG" panose="02030600000101010101" pitchFamily="18" charset="-127"/>
+                <a:ea typeface="SHeadG" panose="02030600000101010101" pitchFamily="18" charset="-127"/>
+              </a:rPr>
+              <a:t>clone </a:t>
+            </a:r>
+            <a:r>
+              <a:rPr kumimoji="1" lang="ko-KR" altLang="en-US" sz="1200" dirty="0" err="1">
+                <a:solidFill>
+                  <a:schemeClr val="tx1">
+                    <a:lumMod val="75000"/>
+                    <a:lumOff val="25000"/>
+                  </a:schemeClr>
+                </a:solidFill>
+                <a:latin typeface="SHeadG" panose="02030600000101010101" pitchFamily="18" charset="-127"/>
+                <a:ea typeface="SHeadG" panose="02030600000101010101" pitchFamily="18" charset="-127"/>
+              </a:rPr>
+              <a:t>메소드를</a:t>
+            </a:r>
+            <a:r>
+              <a:rPr kumimoji="1" lang="ko-KR" altLang="en-US" sz="1200" dirty="0">
+                <a:solidFill>
+                  <a:schemeClr val="tx1">
+                    <a:lumMod val="75000"/>
+                    <a:lumOff val="25000"/>
+                  </a:schemeClr>
+                </a:solidFill>
+                <a:latin typeface="SHeadG" panose="02030600000101010101" pitchFamily="18" charset="-127"/>
+                <a:ea typeface="SHeadG" panose="02030600000101010101" pitchFamily="18" charset="-127"/>
+              </a:rPr>
+              <a:t> 사용하여 새 인스턴스를 만든다</a:t>
+            </a:r>
+            <a:r>
+              <a:rPr kumimoji="1" lang="en-US" altLang="ko-KR" sz="1200" dirty="0">
+                <a:solidFill>
+                  <a:schemeClr val="tx1">
+                    <a:lumMod val="75000"/>
+                    <a:lumOff val="25000"/>
+                  </a:schemeClr>
+                </a:solidFill>
+                <a:latin typeface="SHeadG" panose="02030600000101010101" pitchFamily="18" charset="-127"/>
+                <a:ea typeface="SHeadG" panose="02030600000101010101" pitchFamily="18" charset="-127"/>
+              </a:rPr>
+              <a:t>.</a:t>
+            </a:r>
+            <a:endParaRPr kumimoji="1" lang="ko-Kore-KR" altLang="en-US" sz="1200" dirty="0">
+              <a:solidFill>
+                <a:schemeClr val="tx1">
+                  <a:lumMod val="75000"/>
+                  <a:lumOff val="25000"/>
+                </a:schemeClr>
+              </a:solidFill>
+              <a:latin typeface="SHeadG" panose="02030600000101010101" pitchFamily="18" charset="-127"/>
+              <a:ea typeface="SHeadG" panose="02030600000101010101" pitchFamily="18" charset="-127"/>
+            </a:endParaRPr>
+          </a:p>
+        </p:txBody>
+      </p:sp>
+      <p:cxnSp>
+        <p:nvCxnSpPr>
+          <p:cNvPr id="46" name="구부러진 연결선[U] 45">
+            <a:extLst>
+              <a:ext uri="{FF2B5EF4-FFF2-40B4-BE49-F238E27FC236}">
+                <a16:creationId xmlns:a16="http://schemas.microsoft.com/office/drawing/2014/main" id="{3AF2B670-84AD-5542-B963-FD3EDD235FDF}"/>
+              </a:ext>
+            </a:extLst>
+          </p:cNvPr>
+          <p:cNvCxnSpPr>
+            <a:cxnSpLocks/>
+            <a:stCxn id="88" idx="0"/>
+            <a:endCxn id="45" idx="0"/>
+          </p:cNvCxnSpPr>
+          <p:nvPr/>
+        </p:nvCxnSpPr>
+        <p:spPr>
+          <a:xfrm rot="16200000" flipV="1">
+            <a:off x="2489049" y="1361744"/>
+            <a:ext cx="138797" cy="1916576"/>
+          </a:xfrm>
+          <a:prstGeom prst="curvedConnector3">
+            <a:avLst>
+              <a:gd name="adj1" fmla="val 264701"/>
+            </a:avLst>
+          </a:prstGeom>
+          <a:ln>
+            <a:solidFill>
+              <a:schemeClr val="tx1">
+                <a:lumMod val="75000"/>
+                <a:lumOff val="25000"/>
+              </a:schemeClr>
+            </a:solidFill>
+            <a:prstDash val="dash"/>
+            <a:tailEnd type="triangle"/>
+          </a:ln>
+        </p:spPr>
+        <p:style>
+          <a:lnRef idx="1">
+            <a:schemeClr val="accent1"/>
+          </a:lnRef>
+          <a:fillRef idx="0">
+            <a:schemeClr val="accent1"/>
+          </a:fillRef>
+          <a:effectRef idx="0">
+            <a:schemeClr val="accent1"/>
+          </a:effectRef>
+          <a:fontRef idx="minor">
+            <a:schemeClr val="tx1"/>
+          </a:fontRef>
+        </p:style>
+      </p:cxnSp>
+      <p:sp>
+        <p:nvSpPr>
+          <p:cNvPr id="48" name="TextBox 47">
+            <a:extLst>
+              <a:ext uri="{FF2B5EF4-FFF2-40B4-BE49-F238E27FC236}">
+                <a16:creationId xmlns:a16="http://schemas.microsoft.com/office/drawing/2014/main" id="{51ED250B-4BFD-3E48-84DD-9317895068EF}"/>
+              </a:ext>
+            </a:extLst>
+          </p:cNvPr>
+          <p:cNvSpPr txBox="1"/>
+          <p:nvPr/>
+        </p:nvSpPr>
+        <p:spPr>
+          <a:xfrm>
+            <a:off x="7846625" y="1561517"/>
+            <a:ext cx="2148552" cy="461665"/>
+          </a:xfrm>
+          <a:prstGeom prst="rect">
+            <a:avLst/>
+          </a:prstGeom>
+          <a:noFill/>
+        </p:spPr>
+        <p:txBody>
+          <a:bodyPr wrap="square" rtlCol="0">
+            <a:spAutoFit/>
+          </a:bodyPr>
+          <a:lstStyle/>
+          <a:p>
+            <a:r>
+              <a:rPr kumimoji="1" lang="en-US" altLang="ko-KR" sz="1200" dirty="0">
+                <a:solidFill>
+                  <a:schemeClr val="tx1">
+                    <a:lumMod val="75000"/>
+                    <a:lumOff val="25000"/>
+                  </a:schemeClr>
+                </a:solidFill>
+                <a:latin typeface="SHeadG" panose="02030600000101010101" pitchFamily="18" charset="-127"/>
+                <a:ea typeface="SHeadG" panose="02030600000101010101" pitchFamily="18" charset="-127"/>
+              </a:rPr>
+              <a:t>Prototype </a:t>
+            </a:r>
+            <a:r>
+              <a:rPr kumimoji="1" lang="ko-KR" altLang="en-US" sz="1200" dirty="0">
+                <a:solidFill>
+                  <a:schemeClr val="tx1">
+                    <a:lumMod val="75000"/>
+                    <a:lumOff val="25000"/>
+                  </a:schemeClr>
+                </a:solidFill>
+                <a:latin typeface="SHeadG" panose="02030600000101010101" pitchFamily="18" charset="-127"/>
+                <a:ea typeface="SHeadG" panose="02030600000101010101" pitchFamily="18" charset="-127"/>
+              </a:rPr>
+              <a:t>역할</a:t>
+            </a:r>
+            <a:endParaRPr kumimoji="1" lang="en-US" altLang="ko-KR" sz="1200" dirty="0">
+              <a:solidFill>
+                <a:schemeClr val="tx1">
+                  <a:lumMod val="75000"/>
+                  <a:lumOff val="25000"/>
+                </a:schemeClr>
+              </a:solidFill>
+              <a:latin typeface="SHeadG" panose="02030600000101010101" pitchFamily="18" charset="-127"/>
+              <a:ea typeface="SHeadG" panose="02030600000101010101" pitchFamily="18" charset="-127"/>
+            </a:endParaRPr>
+          </a:p>
+          <a:p>
+            <a:r>
+              <a:rPr kumimoji="1" lang="en-US" altLang="ko-KR" sz="1200" dirty="0">
+                <a:solidFill>
+                  <a:schemeClr val="tx1">
+                    <a:lumMod val="75000"/>
+                    <a:lumOff val="25000"/>
+                  </a:schemeClr>
+                </a:solidFill>
+                <a:latin typeface="SHeadG" panose="02030600000101010101" pitchFamily="18" charset="-127"/>
+                <a:ea typeface="SHeadG" panose="02030600000101010101" pitchFamily="18" charset="-127"/>
+              </a:rPr>
+              <a:t>-</a:t>
+            </a:r>
+            <a:r>
+              <a:rPr kumimoji="1" lang="ko-KR" altLang="en-US" sz="1200" dirty="0">
+                <a:solidFill>
+                  <a:schemeClr val="tx1">
+                    <a:lumMod val="75000"/>
+                    <a:lumOff val="25000"/>
+                  </a:schemeClr>
+                </a:solidFill>
+                <a:latin typeface="SHeadG" panose="02030600000101010101" pitchFamily="18" charset="-127"/>
+                <a:ea typeface="SHeadG" panose="02030600000101010101" pitchFamily="18" charset="-127"/>
+              </a:rPr>
+              <a:t> </a:t>
+            </a:r>
+            <a:r>
+              <a:rPr kumimoji="1" lang="en-US" altLang="ko-KR" sz="1200" dirty="0">
+                <a:solidFill>
+                  <a:schemeClr val="tx1">
+                    <a:lumMod val="75000"/>
+                    <a:lumOff val="25000"/>
+                  </a:schemeClr>
+                </a:solidFill>
+                <a:latin typeface="SHeadG" panose="02030600000101010101" pitchFamily="18" charset="-127"/>
+                <a:ea typeface="SHeadG" panose="02030600000101010101" pitchFamily="18" charset="-127"/>
+              </a:rPr>
+              <a:t>Cloning </a:t>
+            </a:r>
+            <a:r>
+              <a:rPr kumimoji="1" lang="ko-KR" altLang="en-US" sz="1200" dirty="0" err="1">
+                <a:solidFill>
+                  <a:schemeClr val="tx1">
+                    <a:lumMod val="75000"/>
+                    <a:lumOff val="25000"/>
+                  </a:schemeClr>
+                </a:solidFill>
+                <a:latin typeface="SHeadG" panose="02030600000101010101" pitchFamily="18" charset="-127"/>
+                <a:ea typeface="SHeadG" panose="02030600000101010101" pitchFamily="18" charset="-127"/>
+              </a:rPr>
+              <a:t>메소드를</a:t>
+            </a:r>
+            <a:r>
+              <a:rPr kumimoji="1" lang="ko-KR" altLang="en-US" sz="1200" dirty="0">
+                <a:solidFill>
+                  <a:schemeClr val="tx1">
+                    <a:lumMod val="75000"/>
+                    <a:lumOff val="25000"/>
+                  </a:schemeClr>
+                </a:solidFill>
+                <a:latin typeface="SHeadG" panose="02030600000101010101" pitchFamily="18" charset="-127"/>
+                <a:ea typeface="SHeadG" panose="02030600000101010101" pitchFamily="18" charset="-127"/>
+              </a:rPr>
+              <a:t> 선언</a:t>
+            </a:r>
+            <a:endParaRPr kumimoji="1" lang="ko-Kore-KR" altLang="en-US" sz="1200" dirty="0">
+              <a:solidFill>
+                <a:schemeClr val="tx1">
+                  <a:lumMod val="75000"/>
+                  <a:lumOff val="25000"/>
+                </a:schemeClr>
+              </a:solidFill>
+              <a:latin typeface="SHeadG" panose="02030600000101010101" pitchFamily="18" charset="-127"/>
+              <a:ea typeface="SHeadG" panose="02030600000101010101" pitchFamily="18" charset="-127"/>
+            </a:endParaRPr>
+          </a:p>
+        </p:txBody>
+      </p:sp>
+      <p:cxnSp>
+        <p:nvCxnSpPr>
+          <p:cNvPr id="49" name="구부러진 연결선[U] 48">
+            <a:extLst>
+              <a:ext uri="{FF2B5EF4-FFF2-40B4-BE49-F238E27FC236}">
+                <a16:creationId xmlns:a16="http://schemas.microsoft.com/office/drawing/2014/main" id="{F1E7F50F-7E9B-314B-B657-91556270D628}"/>
+              </a:ext>
+            </a:extLst>
+          </p:cNvPr>
+          <p:cNvCxnSpPr>
+            <a:cxnSpLocks/>
+            <a:stCxn id="76" idx="0"/>
+            <a:endCxn id="48" idx="1"/>
+          </p:cNvCxnSpPr>
+          <p:nvPr/>
+        </p:nvCxnSpPr>
+        <p:spPr>
+          <a:xfrm rot="5400000" flipH="1" flipV="1">
+            <a:off x="6970828" y="1489517"/>
+            <a:ext cx="572963" cy="1178631"/>
+          </a:xfrm>
+          <a:prstGeom prst="curvedConnector2">
+            <a:avLst/>
+          </a:prstGeom>
+          <a:ln>
+            <a:solidFill>
+              <a:schemeClr val="tx1">
+                <a:lumMod val="75000"/>
+                <a:lumOff val="25000"/>
+              </a:schemeClr>
+            </a:solidFill>
+            <a:prstDash val="dash"/>
+            <a:tailEnd type="triangle"/>
+          </a:ln>
+        </p:spPr>
+        <p:style>
+          <a:lnRef idx="1">
+            <a:schemeClr val="accent1"/>
+          </a:lnRef>
+          <a:fillRef idx="0">
+            <a:schemeClr val="accent1"/>
+          </a:fillRef>
+          <a:effectRef idx="0">
+            <a:schemeClr val="accent1"/>
+          </a:effectRef>
+          <a:fontRef idx="minor">
+            <a:schemeClr val="tx1"/>
+          </a:fontRef>
+        </p:style>
+      </p:cxnSp>
+      <p:sp>
+        <p:nvSpPr>
+          <p:cNvPr id="53" name="TextBox 52">
+            <a:extLst>
+              <a:ext uri="{FF2B5EF4-FFF2-40B4-BE49-F238E27FC236}">
+                <a16:creationId xmlns:a16="http://schemas.microsoft.com/office/drawing/2014/main" id="{44E0D746-B4F3-B745-A46D-58E324813B2D}"/>
+              </a:ext>
+            </a:extLst>
+          </p:cNvPr>
+          <p:cNvSpPr txBox="1"/>
+          <p:nvPr/>
+        </p:nvSpPr>
+        <p:spPr>
+          <a:xfrm>
+            <a:off x="9409470" y="3329528"/>
+            <a:ext cx="2148552" cy="461665"/>
+          </a:xfrm>
+          <a:prstGeom prst="rect">
+            <a:avLst/>
+          </a:prstGeom>
+          <a:noFill/>
+        </p:spPr>
+        <p:txBody>
+          <a:bodyPr wrap="square" rtlCol="0">
+            <a:spAutoFit/>
+          </a:bodyPr>
+          <a:lstStyle/>
+          <a:p>
+            <a:r>
+              <a:rPr kumimoji="1" lang="en-US" altLang="ko-KR" sz="1200" dirty="0">
+                <a:solidFill>
+                  <a:schemeClr val="tx1">
+                    <a:lumMod val="75000"/>
+                    <a:lumOff val="25000"/>
+                  </a:schemeClr>
+                </a:solidFill>
+                <a:latin typeface="SHeadG" panose="02030600000101010101" pitchFamily="18" charset="-127"/>
+                <a:ea typeface="SHeadG" panose="02030600000101010101" pitchFamily="18" charset="-127"/>
+              </a:rPr>
+              <a:t>Concrete Prototype </a:t>
+            </a:r>
+            <a:r>
+              <a:rPr kumimoji="1" lang="ko-KR" altLang="en-US" sz="1200" dirty="0">
+                <a:solidFill>
+                  <a:schemeClr val="tx1">
+                    <a:lumMod val="75000"/>
+                    <a:lumOff val="25000"/>
+                  </a:schemeClr>
+                </a:solidFill>
+                <a:latin typeface="SHeadG" panose="02030600000101010101" pitchFamily="18" charset="-127"/>
+                <a:ea typeface="SHeadG" panose="02030600000101010101" pitchFamily="18" charset="-127"/>
+              </a:rPr>
+              <a:t>역할</a:t>
+            </a:r>
+            <a:endParaRPr kumimoji="1" lang="en-US" altLang="ko-KR" sz="1200" dirty="0">
+              <a:solidFill>
+                <a:schemeClr val="tx1">
+                  <a:lumMod val="75000"/>
+                  <a:lumOff val="25000"/>
+                </a:schemeClr>
+              </a:solidFill>
+              <a:latin typeface="SHeadG" panose="02030600000101010101" pitchFamily="18" charset="-127"/>
+              <a:ea typeface="SHeadG" panose="02030600000101010101" pitchFamily="18" charset="-127"/>
+            </a:endParaRPr>
+          </a:p>
+          <a:p>
+            <a:r>
+              <a:rPr kumimoji="1" lang="en-US" altLang="ko-KR" sz="1200" dirty="0">
+                <a:solidFill>
+                  <a:schemeClr val="tx1">
+                    <a:lumMod val="75000"/>
+                    <a:lumOff val="25000"/>
+                  </a:schemeClr>
+                </a:solidFill>
+                <a:latin typeface="SHeadG" panose="02030600000101010101" pitchFamily="18" charset="-127"/>
+                <a:ea typeface="SHeadG" panose="02030600000101010101" pitchFamily="18" charset="-127"/>
+              </a:rPr>
+              <a:t>-</a:t>
+            </a:r>
+            <a:r>
+              <a:rPr kumimoji="1" lang="ko-KR" altLang="en-US" sz="1200" dirty="0">
+                <a:solidFill>
+                  <a:schemeClr val="tx1">
+                    <a:lumMod val="75000"/>
+                    <a:lumOff val="25000"/>
+                  </a:schemeClr>
+                </a:solidFill>
+                <a:latin typeface="SHeadG" panose="02030600000101010101" pitchFamily="18" charset="-127"/>
+                <a:ea typeface="SHeadG" panose="02030600000101010101" pitchFamily="18" charset="-127"/>
+              </a:rPr>
+              <a:t> </a:t>
+            </a:r>
+            <a:r>
+              <a:rPr kumimoji="1" lang="en-US" altLang="ko-KR" sz="1200" dirty="0">
+                <a:solidFill>
+                  <a:schemeClr val="tx1">
+                    <a:lumMod val="75000"/>
+                    <a:lumOff val="25000"/>
+                  </a:schemeClr>
+                </a:solidFill>
+                <a:latin typeface="SHeadG" panose="02030600000101010101" pitchFamily="18" charset="-127"/>
+                <a:ea typeface="SHeadG" panose="02030600000101010101" pitchFamily="18" charset="-127"/>
+              </a:rPr>
+              <a:t>Cloning </a:t>
+            </a:r>
+            <a:r>
+              <a:rPr kumimoji="1" lang="ko-KR" altLang="en-US" sz="1200" dirty="0" err="1">
+                <a:solidFill>
+                  <a:schemeClr val="tx1">
+                    <a:lumMod val="75000"/>
+                    <a:lumOff val="25000"/>
+                  </a:schemeClr>
+                </a:solidFill>
+                <a:latin typeface="SHeadG" panose="02030600000101010101" pitchFamily="18" charset="-127"/>
+                <a:ea typeface="SHeadG" panose="02030600000101010101" pitchFamily="18" charset="-127"/>
+              </a:rPr>
+              <a:t>메소드를</a:t>
+            </a:r>
+            <a:r>
+              <a:rPr kumimoji="1" lang="ko-KR" altLang="en-US" sz="1200" dirty="0">
+                <a:solidFill>
+                  <a:schemeClr val="tx1">
+                    <a:lumMod val="75000"/>
+                    <a:lumOff val="25000"/>
+                  </a:schemeClr>
+                </a:solidFill>
+                <a:latin typeface="SHeadG" panose="02030600000101010101" pitchFamily="18" charset="-127"/>
+                <a:ea typeface="SHeadG" panose="02030600000101010101" pitchFamily="18" charset="-127"/>
+              </a:rPr>
+              <a:t> 구현</a:t>
+            </a:r>
+            <a:endParaRPr kumimoji="1" lang="ko-Kore-KR" altLang="en-US" sz="1200" dirty="0">
+              <a:solidFill>
+                <a:schemeClr val="tx1">
+                  <a:lumMod val="75000"/>
+                  <a:lumOff val="25000"/>
+                </a:schemeClr>
+              </a:solidFill>
+              <a:latin typeface="SHeadG" panose="02030600000101010101" pitchFamily="18" charset="-127"/>
+              <a:ea typeface="SHeadG" panose="02030600000101010101" pitchFamily="18" charset="-127"/>
+            </a:endParaRPr>
+          </a:p>
+        </p:txBody>
+      </p:sp>
+      <p:cxnSp>
+        <p:nvCxnSpPr>
+          <p:cNvPr id="54" name="구부러진 연결선[U] 53">
+            <a:extLst>
+              <a:ext uri="{FF2B5EF4-FFF2-40B4-BE49-F238E27FC236}">
+                <a16:creationId xmlns:a16="http://schemas.microsoft.com/office/drawing/2014/main" id="{9E94D2D1-FA78-164B-AE70-E02F860FF1D4}"/>
+              </a:ext>
+            </a:extLst>
+          </p:cNvPr>
+          <p:cNvCxnSpPr>
+            <a:cxnSpLocks/>
+            <a:endCxn id="53" idx="2"/>
+          </p:cNvCxnSpPr>
+          <p:nvPr/>
+        </p:nvCxnSpPr>
+        <p:spPr>
+          <a:xfrm rot="5400000" flipH="1" flipV="1">
+            <a:off x="9502030" y="3854071"/>
+            <a:ext cx="1044594" cy="918838"/>
+          </a:xfrm>
+          <a:prstGeom prst="curvedConnector3">
+            <a:avLst>
+              <a:gd name="adj1" fmla="val 50000"/>
+            </a:avLst>
+          </a:prstGeom>
+          <a:ln>
+            <a:solidFill>
+              <a:schemeClr val="tx1">
+                <a:lumMod val="75000"/>
+                <a:lumOff val="25000"/>
+              </a:schemeClr>
+            </a:solidFill>
+            <a:prstDash val="dash"/>
+            <a:tailEnd type="triangle"/>
+          </a:ln>
+        </p:spPr>
+        <p:style>
+          <a:lnRef idx="1">
+            <a:schemeClr val="accent1"/>
+          </a:lnRef>
+          <a:fillRef idx="0">
+            <a:schemeClr val="accent1"/>
+          </a:fillRef>
+          <a:effectRef idx="0">
+            <a:schemeClr val="accent1"/>
+          </a:effectRef>
+          <a:fontRef idx="minor">
+            <a:schemeClr val="tx1"/>
+          </a:fontRef>
+        </p:style>
+      </p:cxnSp>
+    </p:spTree>
+    <p:extLst>
+      <p:ext uri="{BB962C8B-B14F-4D97-AF65-F5344CB8AC3E}">
+        <p14:creationId xmlns:p14="http://schemas.microsoft.com/office/powerpoint/2010/main" val="2448513936"/>
+      </p:ext>
+    </p:extLst>
+  </p:cSld>
+  <p:clrMapOvr>
+    <a:masterClrMapping/>
+  </p:clrMapOvr>
+</p:sld>
+</file>
+
+<file path=ppt/slides/slide4.xml><?xml version="1.0" encoding="utf-8"?>
+<p:sld xmlns:a="http://schemas.openxmlformats.org/drawingml/2006/main" xmlns:r="http://schemas.openxmlformats.org/officeDocument/2006/relationships" xmlns:p="http://schemas.openxmlformats.org/presentationml/2006/main">
+  <p:cSld>
+    <p:spTree>
+      <p:nvGrpSpPr>
+        <p:cNvPr id="1" name=""/>
+        <p:cNvGrpSpPr/>
+        <p:nvPr/>
+      </p:nvGrpSpPr>
+      <p:grpSpPr>
+        <a:xfrm>
+          <a:off x="0" y="0"/>
+          <a:ext cx="0" cy="0"/>
+          <a:chOff x="0" y="0"/>
+          <a:chExt cx="0" cy="0"/>
+        </a:xfrm>
+      </p:grpSpPr>
+      <p:grpSp>
+        <p:nvGrpSpPr>
+          <p:cNvPr id="87" name="그룹 86">
+            <a:extLst>
+              <a:ext uri="{FF2B5EF4-FFF2-40B4-BE49-F238E27FC236}">
+                <a16:creationId xmlns:a16="http://schemas.microsoft.com/office/drawing/2014/main" id="{2C42C6EE-A366-E546-898A-7D13EFECCB9F}"/>
+              </a:ext>
+            </a:extLst>
+          </p:cNvPr>
+          <p:cNvGrpSpPr/>
+          <p:nvPr/>
+        </p:nvGrpSpPr>
+        <p:grpSpPr>
+          <a:xfrm>
+            <a:off x="2730324" y="2211011"/>
+            <a:ext cx="1550787" cy="1039570"/>
+            <a:chOff x="1591806" y="883824"/>
+            <a:chExt cx="1550787" cy="1039570"/>
+          </a:xfrm>
+        </p:grpSpPr>
+        <p:sp>
+          <p:nvSpPr>
+            <p:cNvPr id="88" name="직사각형 87">
+              <a:extLst>
+                <a:ext uri="{FF2B5EF4-FFF2-40B4-BE49-F238E27FC236}">
+                  <a16:creationId xmlns:a16="http://schemas.microsoft.com/office/drawing/2014/main" id="{64D5B666-DA08-A24D-B0B5-BB660F2D5741}"/>
+                </a:ext>
+              </a:extLst>
+            </p:cNvPr>
+            <p:cNvSpPr/>
+            <p:nvPr/>
+          </p:nvSpPr>
+          <p:spPr>
+            <a:xfrm>
+              <a:off x="1613840" y="883824"/>
+              <a:ext cx="1528753" cy="342690"/>
+            </a:xfrm>
+            <a:prstGeom prst="rect">
+              <a:avLst/>
+            </a:prstGeom>
+            <a:ln w="25400">
+              <a:solidFill>
+                <a:srgbClr val="5DA2C5"/>
+              </a:solidFill>
+            </a:ln>
+          </p:spPr>
+          <p:style>
+            <a:lnRef idx="1">
+              <a:schemeClr val="accent1"/>
+            </a:lnRef>
+            <a:fillRef idx="0">
+              <a:schemeClr val="accent1"/>
+            </a:fillRef>
+            <a:effectRef idx="0">
+              <a:schemeClr val="accent1"/>
+            </a:effectRef>
+            <a:fontRef idx="minor">
+              <a:schemeClr val="tx1"/>
+            </a:fontRef>
+          </p:style>
+          <p:txBody>
+            <a:bodyPr rtlCol="0" anchor="ctr"/>
+            <a:lstStyle/>
+            <a:p>
+              <a:pPr algn="ctr"/>
+              <a:endParaRPr kumimoji="1" lang="ko-Kore-KR" altLang="en-US" sz="1200"/>
+            </a:p>
+          </p:txBody>
+        </p:sp>
+        <p:sp>
+          <p:nvSpPr>
+            <p:cNvPr id="89" name="TextBox 88">
+              <a:extLst>
+                <a:ext uri="{FF2B5EF4-FFF2-40B4-BE49-F238E27FC236}">
+                  <a16:creationId xmlns:a16="http://schemas.microsoft.com/office/drawing/2014/main" id="{9B5DC2C1-A336-A34B-B3C8-E0FDC101D9BD}"/>
+                </a:ext>
+              </a:extLst>
+            </p:cNvPr>
+            <p:cNvSpPr txBox="1"/>
+            <p:nvPr/>
+          </p:nvSpPr>
+          <p:spPr>
+            <a:xfrm>
+              <a:off x="1591806" y="916669"/>
+              <a:ext cx="1550787" cy="276999"/>
+            </a:xfrm>
+            <a:prstGeom prst="rect">
+              <a:avLst/>
+            </a:prstGeom>
+            <a:noFill/>
+          </p:spPr>
+          <p:txBody>
+            <a:bodyPr wrap="square" rtlCol="0">
+              <a:spAutoFit/>
+            </a:bodyPr>
+            <a:lstStyle/>
+            <a:p>
+              <a:pPr algn="ctr"/>
+              <a:r>
+                <a:rPr kumimoji="1" lang="en-US" altLang="ko-Kore-KR" sz="1200" b="1" dirty="0">
+                  <a:solidFill>
+                    <a:srgbClr val="5DA2C5"/>
+                  </a:solidFill>
+                  <a:latin typeface="SHeadG" panose="02030600000101010101" pitchFamily="18" charset="-127"/>
+                  <a:ea typeface="SHeadG" panose="02030600000101010101" pitchFamily="18" charset="-127"/>
+                </a:rPr>
+                <a:t>Client</a:t>
+              </a:r>
+              <a:endParaRPr kumimoji="1" lang="ko-Kore-KR" altLang="en-US" sz="1200" b="1" dirty="0">
+                <a:solidFill>
+                  <a:srgbClr val="5DA2C5"/>
+                </a:solidFill>
+                <a:latin typeface="SHeadG" panose="02030600000101010101" pitchFamily="18" charset="-127"/>
+                <a:ea typeface="SHeadG" panose="02030600000101010101" pitchFamily="18" charset="-127"/>
+              </a:endParaRPr>
+            </a:p>
+          </p:txBody>
+        </p:sp>
+        <p:sp>
+          <p:nvSpPr>
+            <p:cNvPr id="90" name="직사각형 89">
+              <a:extLst>
+                <a:ext uri="{FF2B5EF4-FFF2-40B4-BE49-F238E27FC236}">
+                  <a16:creationId xmlns:a16="http://schemas.microsoft.com/office/drawing/2014/main" id="{6995E2BD-5F87-A648-86CB-5B29B362A0DF}"/>
+                </a:ext>
+              </a:extLst>
+            </p:cNvPr>
+            <p:cNvSpPr/>
+            <p:nvPr/>
+          </p:nvSpPr>
+          <p:spPr>
+            <a:xfrm>
+              <a:off x="1613840" y="1226514"/>
+              <a:ext cx="1528753" cy="696880"/>
+            </a:xfrm>
+            <a:prstGeom prst="rect">
+              <a:avLst/>
+            </a:prstGeom>
+            <a:ln w="25400">
+              <a:solidFill>
+                <a:srgbClr val="5DA2C5"/>
+              </a:solidFill>
+            </a:ln>
+          </p:spPr>
+          <p:style>
+            <a:lnRef idx="1">
+              <a:schemeClr val="accent1"/>
+            </a:lnRef>
+            <a:fillRef idx="0">
+              <a:schemeClr val="accent1"/>
+            </a:fillRef>
+            <a:effectRef idx="0">
+              <a:schemeClr val="accent1"/>
+            </a:effectRef>
+            <a:fontRef idx="minor">
+              <a:schemeClr val="tx1"/>
+            </a:fontRef>
+          </p:style>
+          <p:txBody>
+            <a:bodyPr rtlCol="0" anchor="ctr"/>
+            <a:lstStyle/>
+            <a:p>
+              <a:pPr algn="ctr"/>
+              <a:endParaRPr kumimoji="1" lang="ko-Kore-KR" altLang="en-US" sz="1200"/>
+            </a:p>
+          </p:txBody>
+        </p:sp>
+      </p:grpSp>
+      <p:grpSp>
+        <p:nvGrpSpPr>
+          <p:cNvPr id="95" name="그룹 94">
+            <a:extLst>
+              <a:ext uri="{FF2B5EF4-FFF2-40B4-BE49-F238E27FC236}">
+                <a16:creationId xmlns:a16="http://schemas.microsoft.com/office/drawing/2014/main" id="{4B888251-2B07-6A49-B610-0BA7DED81B0B}"/>
+              </a:ext>
+            </a:extLst>
+          </p:cNvPr>
+          <p:cNvGrpSpPr/>
+          <p:nvPr/>
+        </p:nvGrpSpPr>
+        <p:grpSpPr>
+          <a:xfrm>
+            <a:off x="4086558" y="4144658"/>
+            <a:ext cx="2470359" cy="1039570"/>
+            <a:chOff x="973504" y="883824"/>
+            <a:chExt cx="2470359" cy="1039570"/>
+          </a:xfrm>
+        </p:grpSpPr>
+        <p:sp>
+          <p:nvSpPr>
+            <p:cNvPr id="96" name="직사각형 95">
+              <a:extLst>
+                <a:ext uri="{FF2B5EF4-FFF2-40B4-BE49-F238E27FC236}">
+                  <a16:creationId xmlns:a16="http://schemas.microsoft.com/office/drawing/2014/main" id="{044D40A1-EC45-314A-BC80-F400A9BC566C}"/>
+                </a:ext>
+              </a:extLst>
+            </p:cNvPr>
+            <p:cNvSpPr/>
+            <p:nvPr/>
+          </p:nvSpPr>
+          <p:spPr>
+            <a:xfrm>
+              <a:off x="973504" y="883824"/>
+              <a:ext cx="2470359" cy="342690"/>
+            </a:xfrm>
+            <a:prstGeom prst="rect">
+              <a:avLst/>
+            </a:prstGeom>
+            <a:ln w="25400">
+              <a:solidFill>
+                <a:srgbClr val="5DA2C5"/>
+              </a:solidFill>
+            </a:ln>
+          </p:spPr>
+          <p:style>
+            <a:lnRef idx="1">
+              <a:schemeClr val="accent1"/>
+            </a:lnRef>
+            <a:fillRef idx="0">
+              <a:schemeClr val="accent1"/>
+            </a:fillRef>
+            <a:effectRef idx="0">
+              <a:schemeClr val="accent1"/>
+            </a:effectRef>
+            <a:fontRef idx="minor">
+              <a:schemeClr val="tx1"/>
+            </a:fontRef>
+          </p:style>
+          <p:txBody>
+            <a:bodyPr rtlCol="0" anchor="ctr"/>
+            <a:lstStyle/>
+            <a:p>
+              <a:pPr algn="ctr"/>
+              <a:endParaRPr kumimoji="1" lang="ko-Kore-KR" altLang="en-US" sz="1200"/>
+            </a:p>
+          </p:txBody>
+        </p:sp>
+        <p:sp>
+          <p:nvSpPr>
+            <p:cNvPr id="97" name="TextBox 96">
+              <a:extLst>
+                <a:ext uri="{FF2B5EF4-FFF2-40B4-BE49-F238E27FC236}">
+                  <a16:creationId xmlns:a16="http://schemas.microsoft.com/office/drawing/2014/main" id="{C69E8316-B420-F24E-87B3-AC493BB55902}"/>
+                </a:ext>
+              </a:extLst>
+            </p:cNvPr>
+            <p:cNvSpPr txBox="1"/>
+            <p:nvPr/>
+          </p:nvSpPr>
+          <p:spPr>
+            <a:xfrm>
+              <a:off x="973505" y="916669"/>
+              <a:ext cx="2470358" cy="276999"/>
+            </a:xfrm>
+            <a:prstGeom prst="rect">
+              <a:avLst/>
+            </a:prstGeom>
+            <a:noFill/>
+          </p:spPr>
+          <p:txBody>
+            <a:bodyPr wrap="square" rtlCol="0">
+              <a:spAutoFit/>
+            </a:bodyPr>
+            <a:lstStyle/>
+            <a:p>
+              <a:pPr algn="ctr"/>
+              <a:r>
+                <a:rPr kumimoji="1" lang="en-US" altLang="ko-Kore-KR" sz="1200" b="1" dirty="0">
+                  <a:solidFill>
+                    <a:srgbClr val="5DA2C5"/>
+                  </a:solidFill>
+                  <a:latin typeface="SHeadG" panose="02030600000101010101" pitchFamily="18" charset="-127"/>
+                  <a:ea typeface="SHeadG" panose="02030600000101010101" pitchFamily="18" charset="-127"/>
+                </a:rPr>
+                <a:t>Swordsman</a:t>
+              </a:r>
+              <a:endParaRPr kumimoji="1" lang="ko-Kore-KR" altLang="en-US" sz="1200" b="1" dirty="0">
+                <a:solidFill>
+                  <a:srgbClr val="5DA2C5"/>
+                </a:solidFill>
+                <a:latin typeface="SHeadG" panose="02030600000101010101" pitchFamily="18" charset="-127"/>
+                <a:ea typeface="SHeadG" panose="02030600000101010101" pitchFamily="18" charset="-127"/>
+              </a:endParaRPr>
+            </a:p>
+          </p:txBody>
+        </p:sp>
+        <p:sp>
+          <p:nvSpPr>
+            <p:cNvPr id="98" name="직사각형 97">
+              <a:extLst>
+                <a:ext uri="{FF2B5EF4-FFF2-40B4-BE49-F238E27FC236}">
+                  <a16:creationId xmlns:a16="http://schemas.microsoft.com/office/drawing/2014/main" id="{C7564481-0515-C64B-AD3D-659793E7FBAA}"/>
+                </a:ext>
+              </a:extLst>
+            </p:cNvPr>
+            <p:cNvSpPr/>
+            <p:nvPr/>
+          </p:nvSpPr>
+          <p:spPr>
+            <a:xfrm>
+              <a:off x="973504" y="1226514"/>
+              <a:ext cx="2470359" cy="696880"/>
+            </a:xfrm>
+            <a:prstGeom prst="rect">
+              <a:avLst/>
+            </a:prstGeom>
+            <a:ln w="25400">
+              <a:solidFill>
+                <a:srgbClr val="5DA2C5"/>
+              </a:solidFill>
+            </a:ln>
+          </p:spPr>
+          <p:style>
+            <a:lnRef idx="1">
+              <a:schemeClr val="accent1"/>
+            </a:lnRef>
+            <a:fillRef idx="0">
+              <a:schemeClr val="accent1"/>
+            </a:fillRef>
+            <a:effectRef idx="0">
+              <a:schemeClr val="accent1"/>
+            </a:effectRef>
+            <a:fontRef idx="minor">
+              <a:schemeClr val="tx1"/>
+            </a:fontRef>
+          </p:style>
+          <p:txBody>
+            <a:bodyPr rtlCol="0" anchor="ctr"/>
+            <a:lstStyle/>
+            <a:p>
+              <a:pPr algn="ctr"/>
+              <a:endParaRPr kumimoji="1" lang="ko-Kore-KR" altLang="en-US" sz="1200"/>
+            </a:p>
+          </p:txBody>
+        </p:sp>
+      </p:grpSp>
+      <p:sp>
+        <p:nvSpPr>
+          <p:cNvPr id="104" name="TextBox 103">
+            <a:extLst>
+              <a:ext uri="{FF2B5EF4-FFF2-40B4-BE49-F238E27FC236}">
+                <a16:creationId xmlns:a16="http://schemas.microsoft.com/office/drawing/2014/main" id="{7260BA41-045E-8743-B64B-A9987939AD67}"/>
+              </a:ext>
+            </a:extLst>
+          </p:cNvPr>
+          <p:cNvSpPr txBox="1"/>
+          <p:nvPr/>
+        </p:nvSpPr>
+        <p:spPr>
+          <a:xfrm>
+            <a:off x="204773" y="217941"/>
+            <a:ext cx="4892744" cy="523220"/>
+          </a:xfrm>
+          <a:prstGeom prst="rect">
+            <a:avLst/>
+          </a:prstGeom>
+          <a:noFill/>
+        </p:spPr>
+        <p:txBody>
+          <a:bodyPr wrap="square" rtlCol="0">
+            <a:spAutoFit/>
+          </a:bodyPr>
+          <a:lstStyle/>
+          <a:p>
+            <a:r>
+              <a:rPr kumimoji="1" lang="ko-KR" altLang="en-US" sz="2800" b="1" dirty="0" err="1">
+                <a:solidFill>
+                  <a:srgbClr val="5DA2C5"/>
+                </a:solidFill>
+                <a:latin typeface="SHeadG" panose="02030600000101010101" pitchFamily="18" charset="-127"/>
+                <a:ea typeface="SHeadG" panose="02030600000101010101" pitchFamily="18" charset="-127"/>
+              </a:rPr>
+              <a:t>프로토타입</a:t>
+            </a:r>
+            <a:r>
+              <a:rPr kumimoji="1" lang="ko-KR" altLang="en-US" sz="2800" b="1" dirty="0">
+                <a:solidFill>
+                  <a:srgbClr val="5DA2C5"/>
+                </a:solidFill>
+                <a:latin typeface="SHeadG" panose="02030600000101010101" pitchFamily="18" charset="-127"/>
+                <a:ea typeface="SHeadG" panose="02030600000101010101" pitchFamily="18" charset="-127"/>
+              </a:rPr>
+              <a:t> 패턴</a:t>
+            </a:r>
+            <a:r>
+              <a:rPr kumimoji="1" lang="en-US" altLang="ko-KR" sz="2800" b="1" dirty="0">
+                <a:solidFill>
+                  <a:srgbClr val="5DA2C5"/>
+                </a:solidFill>
+                <a:latin typeface="SHeadG" panose="02030600000101010101" pitchFamily="18" charset="-127"/>
+                <a:ea typeface="SHeadG" panose="02030600000101010101" pitchFamily="18" charset="-127"/>
+              </a:rPr>
+              <a:t>:</a:t>
+            </a:r>
+            <a:r>
+              <a:rPr kumimoji="1" lang="ko-KR" altLang="en-US" sz="2800" b="1" dirty="0">
+                <a:solidFill>
+                  <a:srgbClr val="5DA2C5"/>
+                </a:solidFill>
+                <a:latin typeface="SHeadG" panose="02030600000101010101" pitchFamily="18" charset="-127"/>
+                <a:ea typeface="SHeadG" panose="02030600000101010101" pitchFamily="18" charset="-127"/>
+              </a:rPr>
+              <a:t> </a:t>
+            </a:r>
+            <a:r>
+              <a:rPr kumimoji="1" lang="en-US" altLang="ko-KR" sz="2800" b="1" dirty="0">
+                <a:solidFill>
+                  <a:srgbClr val="5DA2C5"/>
+                </a:solidFill>
+                <a:latin typeface="SHeadG" panose="02030600000101010101" pitchFamily="18" charset="-127"/>
+                <a:ea typeface="SHeadG" panose="02030600000101010101" pitchFamily="18" charset="-127"/>
+              </a:rPr>
+              <a:t>UML</a:t>
+            </a:r>
+            <a:endParaRPr kumimoji="1" lang="ko-Kore-KR" altLang="en-US" sz="2800" b="1" dirty="0">
+              <a:solidFill>
+                <a:srgbClr val="5DA2C5"/>
+              </a:solidFill>
+              <a:latin typeface="SHeadG" panose="02030600000101010101" pitchFamily="18" charset="-127"/>
+              <a:ea typeface="SHeadG" panose="02030600000101010101" pitchFamily="18" charset="-127"/>
+            </a:endParaRPr>
+          </a:p>
+        </p:txBody>
+      </p:sp>
+      <p:cxnSp>
+        <p:nvCxnSpPr>
+          <p:cNvPr id="112" name="직선 화살표 연결선 111">
+            <a:extLst>
+              <a:ext uri="{FF2B5EF4-FFF2-40B4-BE49-F238E27FC236}">
+                <a16:creationId xmlns:a16="http://schemas.microsoft.com/office/drawing/2014/main" id="{3FD05C05-2C78-F54E-A688-C9E962F49826}"/>
+              </a:ext>
+            </a:extLst>
+          </p:cNvPr>
+          <p:cNvCxnSpPr>
+            <a:cxnSpLocks/>
+          </p:cNvCxnSpPr>
+          <p:nvPr/>
+        </p:nvCxnSpPr>
+        <p:spPr>
+          <a:xfrm flipV="1">
+            <a:off x="5499672" y="3429000"/>
+            <a:ext cx="974584" cy="715656"/>
+          </a:xfrm>
+          <a:prstGeom prst="straightConnector1">
+            <a:avLst/>
+          </a:prstGeom>
+          <a:ln w="12700">
+            <a:solidFill>
+              <a:srgbClr val="5DA2C5"/>
+            </a:solidFill>
+            <a:prstDash val="solid"/>
+            <a:tailEnd type="triangle" w="lg" len="lg"/>
+          </a:ln>
+        </p:spPr>
+        <p:style>
+          <a:lnRef idx="1">
+            <a:schemeClr val="accent1"/>
+          </a:lnRef>
+          <a:fillRef idx="0">
+            <a:schemeClr val="accent1"/>
+          </a:fillRef>
+          <a:effectRef idx="0">
+            <a:schemeClr val="accent1"/>
+          </a:effectRef>
+          <a:fontRef idx="minor">
+            <a:schemeClr val="tx1"/>
+          </a:fontRef>
+        </p:style>
+      </p:cxnSp>
+      <p:cxnSp>
+        <p:nvCxnSpPr>
+          <p:cNvPr id="113" name="직선 화살표 연결선 112">
+            <a:extLst>
+              <a:ext uri="{FF2B5EF4-FFF2-40B4-BE49-F238E27FC236}">
+                <a16:creationId xmlns:a16="http://schemas.microsoft.com/office/drawing/2014/main" id="{35A99ABA-9F95-8C43-A383-ADA71BF0527D}"/>
+              </a:ext>
+            </a:extLst>
+          </p:cNvPr>
+          <p:cNvCxnSpPr>
+            <a:cxnSpLocks/>
+          </p:cNvCxnSpPr>
+          <p:nvPr/>
+        </p:nvCxnSpPr>
+        <p:spPr>
+          <a:xfrm flipH="1" flipV="1">
+            <a:off x="6846837" y="3429000"/>
+            <a:ext cx="999788" cy="724386"/>
+          </a:xfrm>
+          <a:prstGeom prst="straightConnector1">
+            <a:avLst/>
+          </a:prstGeom>
+          <a:ln w="12700">
+            <a:solidFill>
+              <a:srgbClr val="5DA2C5"/>
+            </a:solidFill>
+            <a:prstDash val="solid"/>
+            <a:tailEnd type="triangle" w="lg" len="lg"/>
+          </a:ln>
+        </p:spPr>
+        <p:style>
+          <a:lnRef idx="1">
+            <a:schemeClr val="accent1"/>
+          </a:lnRef>
+          <a:fillRef idx="0">
+            <a:schemeClr val="accent1"/>
+          </a:fillRef>
+          <a:effectRef idx="0">
+            <a:schemeClr val="accent1"/>
+          </a:effectRef>
+          <a:fontRef idx="minor">
+            <a:schemeClr val="tx1"/>
+          </a:fontRef>
+        </p:style>
+      </p:cxnSp>
+      <p:sp>
+        <p:nvSpPr>
+          <p:cNvPr id="131" name="모서리가 둥근 직사각형 130">
+            <a:extLst>
+              <a:ext uri="{FF2B5EF4-FFF2-40B4-BE49-F238E27FC236}">
+                <a16:creationId xmlns:a16="http://schemas.microsoft.com/office/drawing/2014/main" id="{112F362D-A437-6741-AC81-6B2950B6F498}"/>
+              </a:ext>
+            </a:extLst>
+          </p:cNvPr>
+          <p:cNvSpPr/>
+          <p:nvPr/>
+        </p:nvSpPr>
+        <p:spPr>
+          <a:xfrm>
+            <a:off x="415906" y="1064749"/>
+            <a:ext cx="11360187" cy="5444158"/>
+          </a:xfrm>
+          <a:prstGeom prst="roundRect">
+            <a:avLst>
+              <a:gd name="adj" fmla="val 2595"/>
+            </a:avLst>
+          </a:prstGeom>
+          <a:noFill/>
+          <a:ln w="6350">
+            <a:solidFill>
+              <a:schemeClr val="accent1">
+                <a:lumMod val="60000"/>
+                <a:lumOff val="40000"/>
+              </a:schemeClr>
+            </a:solidFill>
+            <a:prstDash val="dash"/>
+          </a:ln>
+        </p:spPr>
+        <p:style>
+          <a:lnRef idx="2">
+            <a:schemeClr val="accent1">
+              <a:shade val="50000"/>
+            </a:schemeClr>
+          </a:lnRef>
+          <a:fillRef idx="1">
+            <a:schemeClr val="accent1"/>
+          </a:fillRef>
+          <a:effectRef idx="0">
+            <a:schemeClr val="accent1"/>
+          </a:effectRef>
+          <a:fontRef idx="minor">
+            <a:schemeClr val="lt1"/>
+          </a:fontRef>
+        </p:style>
+        <p:txBody>
+          <a:bodyPr rtlCol="0" anchor="ctr"/>
+          <a:lstStyle/>
+          <a:p>
+            <a:pPr algn="ctr"/>
+            <a:endParaRPr kumimoji="1" lang="ko-KR" altLang="en-US"/>
+          </a:p>
+        </p:txBody>
+      </p:sp>
+      <p:grpSp>
+        <p:nvGrpSpPr>
+          <p:cNvPr id="2" name="그룹 1">
+            <a:extLst>
+              <a:ext uri="{FF2B5EF4-FFF2-40B4-BE49-F238E27FC236}">
+                <a16:creationId xmlns:a16="http://schemas.microsoft.com/office/drawing/2014/main" id="{392A626F-023D-7D4B-8F60-A27FDFE401E5}"/>
+              </a:ext>
+            </a:extLst>
+          </p:cNvPr>
+          <p:cNvGrpSpPr/>
+          <p:nvPr/>
+        </p:nvGrpSpPr>
+        <p:grpSpPr>
+          <a:xfrm>
+            <a:off x="5612782" y="2186894"/>
+            <a:ext cx="2086237" cy="1251705"/>
+            <a:chOff x="4318319" y="2396965"/>
+            <a:chExt cx="2086237" cy="1251705"/>
+          </a:xfrm>
+        </p:grpSpPr>
+        <p:grpSp>
+          <p:nvGrpSpPr>
+            <p:cNvPr id="3" name="그룹 2">
+              <a:extLst>
+                <a:ext uri="{FF2B5EF4-FFF2-40B4-BE49-F238E27FC236}">
+                  <a16:creationId xmlns:a16="http://schemas.microsoft.com/office/drawing/2014/main" id="{0314F49E-2FF1-8949-A1FE-EAC4B8510E4E}"/>
+                </a:ext>
+              </a:extLst>
+            </p:cNvPr>
+            <p:cNvGrpSpPr/>
+            <p:nvPr/>
+          </p:nvGrpSpPr>
+          <p:grpSpPr>
+            <a:xfrm>
+              <a:off x="4318319" y="2396965"/>
+              <a:ext cx="2086237" cy="1251705"/>
+              <a:chOff x="1401968" y="883824"/>
+              <a:chExt cx="2086237" cy="1251705"/>
+            </a:xfrm>
+          </p:grpSpPr>
+          <p:sp>
+            <p:nvSpPr>
+              <p:cNvPr id="76" name="직사각형 75">
+                <a:extLst>
+                  <a:ext uri="{FF2B5EF4-FFF2-40B4-BE49-F238E27FC236}">
+                    <a16:creationId xmlns:a16="http://schemas.microsoft.com/office/drawing/2014/main" id="{9AE36E10-3A16-694F-B10E-A4506FE06853}"/>
+                  </a:ext>
+                </a:extLst>
+              </p:cNvPr>
+              <p:cNvSpPr/>
+              <p:nvPr/>
+            </p:nvSpPr>
+            <p:spPr>
+              <a:xfrm>
+                <a:off x="1613840" y="883824"/>
+                <a:ext cx="1686680" cy="527319"/>
+              </a:xfrm>
+              <a:prstGeom prst="rect">
+                <a:avLst/>
+              </a:prstGeom>
+              <a:ln w="25400">
+                <a:solidFill>
+                  <a:srgbClr val="5DA2C5"/>
+                </a:solidFill>
+              </a:ln>
+            </p:spPr>
+            <p:style>
+              <a:lnRef idx="1">
+                <a:schemeClr val="accent1"/>
+              </a:lnRef>
+              <a:fillRef idx="0">
+                <a:schemeClr val="accent1"/>
+              </a:fillRef>
+              <a:effectRef idx="0">
+                <a:schemeClr val="accent1"/>
+              </a:effectRef>
+              <a:fontRef idx="minor">
+                <a:schemeClr val="tx1"/>
+              </a:fontRef>
+            </p:style>
+            <p:txBody>
+              <a:bodyPr rtlCol="0" anchor="ctr"/>
+              <a:lstStyle/>
+              <a:p>
+                <a:pPr algn="ctr"/>
+                <a:endParaRPr kumimoji="1" lang="ko-Kore-KR" altLang="en-US" sz="1200"/>
+              </a:p>
+            </p:txBody>
+          </p:sp>
+          <p:sp>
+            <p:nvSpPr>
+              <p:cNvPr id="78" name="TextBox 77">
+                <a:extLst>
+                  <a:ext uri="{FF2B5EF4-FFF2-40B4-BE49-F238E27FC236}">
+                    <a16:creationId xmlns:a16="http://schemas.microsoft.com/office/drawing/2014/main" id="{6BA29A0F-9338-AA44-9FF7-9F6B88DB16BA}"/>
+                  </a:ext>
+                </a:extLst>
+              </p:cNvPr>
+              <p:cNvSpPr txBox="1"/>
+              <p:nvPr/>
+            </p:nvSpPr>
+            <p:spPr>
+              <a:xfrm>
+                <a:off x="1401968" y="916669"/>
+                <a:ext cx="2086237" cy="461665"/>
+              </a:xfrm>
+              <a:prstGeom prst="rect">
+                <a:avLst/>
+              </a:prstGeom>
+              <a:noFill/>
+            </p:spPr>
+            <p:txBody>
+              <a:bodyPr wrap="square" rtlCol="0">
+                <a:spAutoFit/>
+              </a:bodyPr>
+              <a:lstStyle/>
+              <a:p>
+                <a:pPr algn="ctr"/>
+                <a:r>
+                  <a:rPr kumimoji="1" lang="en-US" altLang="ko-Kore-KR" sz="1200" i="1" dirty="0">
+                    <a:solidFill>
+                      <a:srgbClr val="5DA2C5"/>
+                    </a:solidFill>
+                    <a:latin typeface="SHeadG" panose="02030600000101010101" pitchFamily="18" charset="-127"/>
+                    <a:ea typeface="SHeadG" panose="02030600000101010101" pitchFamily="18" charset="-127"/>
+                  </a:rPr>
+                  <a:t>&lt;&lt;abstract, Prototype&gt;&gt;</a:t>
+                </a:r>
+              </a:p>
+              <a:p>
+                <a:pPr algn="ctr"/>
+                <a:r>
+                  <a:rPr kumimoji="1" lang="en-US" altLang="ko-Kore-KR" sz="1200" b="1" dirty="0" err="1">
+                    <a:solidFill>
+                      <a:srgbClr val="5DA2C5"/>
+                    </a:solidFill>
+                    <a:latin typeface="SHeadG" panose="02030600000101010101" pitchFamily="18" charset="-127"/>
+                    <a:ea typeface="SHeadG" panose="02030600000101010101" pitchFamily="18" charset="-127"/>
+                  </a:rPr>
+                  <a:t>GameUnit</a:t>
+                </a:r>
+                <a:endParaRPr kumimoji="1" lang="ko-Kore-KR" altLang="en-US" sz="1200" b="1" dirty="0">
+                  <a:solidFill>
+                    <a:srgbClr val="5DA2C5"/>
+                  </a:solidFill>
+                  <a:latin typeface="SHeadG" panose="02030600000101010101" pitchFamily="18" charset="-127"/>
+                  <a:ea typeface="SHeadG" panose="02030600000101010101" pitchFamily="18" charset="-127"/>
+                </a:endParaRPr>
+              </a:p>
+            </p:txBody>
+          </p:sp>
+          <p:sp>
+            <p:nvSpPr>
+              <p:cNvPr id="79" name="직사각형 78">
+                <a:extLst>
+                  <a:ext uri="{FF2B5EF4-FFF2-40B4-BE49-F238E27FC236}">
+                    <a16:creationId xmlns:a16="http://schemas.microsoft.com/office/drawing/2014/main" id="{DE4E74A3-3601-0145-BE20-72C12141C157}"/>
+                  </a:ext>
+                </a:extLst>
+              </p:cNvPr>
+              <p:cNvSpPr/>
+              <p:nvPr/>
+            </p:nvSpPr>
+            <p:spPr>
+              <a:xfrm>
+                <a:off x="1613840" y="1411145"/>
+                <a:ext cx="1686680" cy="724384"/>
+              </a:xfrm>
+              <a:prstGeom prst="rect">
+                <a:avLst/>
+              </a:prstGeom>
+              <a:ln w="25400">
+                <a:solidFill>
+                  <a:srgbClr val="5DA2C5"/>
+                </a:solidFill>
+              </a:ln>
+            </p:spPr>
+            <p:style>
+              <a:lnRef idx="1">
+                <a:schemeClr val="accent1"/>
+              </a:lnRef>
+              <a:fillRef idx="0">
+                <a:schemeClr val="accent1"/>
+              </a:fillRef>
+              <a:effectRef idx="0">
+                <a:schemeClr val="accent1"/>
+              </a:effectRef>
+              <a:fontRef idx="minor">
+                <a:schemeClr val="tx1"/>
+              </a:fontRef>
+            </p:style>
+            <p:txBody>
+              <a:bodyPr rtlCol="0" anchor="ctr"/>
+              <a:lstStyle/>
+              <a:p>
+                <a:pPr algn="ctr"/>
+                <a:endParaRPr kumimoji="1" lang="ko-Kore-KR" altLang="en-US" sz="1200"/>
+              </a:p>
+            </p:txBody>
+          </p:sp>
+        </p:grpSp>
+        <p:sp>
+          <p:nvSpPr>
+            <p:cNvPr id="34" name="TextBox 33">
+              <a:extLst>
+                <a:ext uri="{FF2B5EF4-FFF2-40B4-BE49-F238E27FC236}">
+                  <a16:creationId xmlns:a16="http://schemas.microsoft.com/office/drawing/2014/main" id="{ED953BC1-523C-5A43-BA62-F613F41639A5}"/>
+                </a:ext>
+              </a:extLst>
+            </p:cNvPr>
+            <p:cNvSpPr txBox="1"/>
+            <p:nvPr/>
+          </p:nvSpPr>
+          <p:spPr>
+            <a:xfrm>
+              <a:off x="4546852" y="2942061"/>
+              <a:ext cx="1686680" cy="646331"/>
+            </a:xfrm>
+            <a:prstGeom prst="rect">
+              <a:avLst/>
+            </a:prstGeom>
+            <a:noFill/>
+          </p:spPr>
+          <p:txBody>
+            <a:bodyPr wrap="square" rtlCol="0">
+              <a:spAutoFit/>
+            </a:bodyPr>
+            <a:lstStyle/>
+            <a:p>
+              <a:r>
+                <a:rPr kumimoji="1" lang="en-US" altLang="ko-Kore-KR" sz="1200" dirty="0">
+                  <a:solidFill>
+                    <a:srgbClr val="5DA2C5"/>
+                  </a:solidFill>
+                  <a:latin typeface="SHeadG" panose="02030600000101010101" pitchFamily="18" charset="-127"/>
+                  <a:ea typeface="SHeadG" panose="02030600000101010101" pitchFamily="18" charset="-127"/>
+                </a:rPr>
+                <a:t>+ clone(): </a:t>
+              </a:r>
+              <a:r>
+                <a:rPr kumimoji="1" lang="en-US" altLang="ko-Kore-KR" sz="1200" dirty="0" err="1">
+                  <a:solidFill>
+                    <a:srgbClr val="5DA2C5"/>
+                  </a:solidFill>
+                  <a:latin typeface="SHeadG" panose="02030600000101010101" pitchFamily="18" charset="-127"/>
+                  <a:ea typeface="SHeadG" panose="02030600000101010101" pitchFamily="18" charset="-127"/>
+                </a:rPr>
+                <a:t>GameUnit</a:t>
+              </a:r>
+              <a:endParaRPr kumimoji="1" lang="en-US" altLang="ko-Kore-KR" sz="1200" dirty="0">
+                <a:solidFill>
+                  <a:srgbClr val="5DA2C5"/>
+                </a:solidFill>
+                <a:latin typeface="SHeadG" panose="02030600000101010101" pitchFamily="18" charset="-127"/>
+                <a:ea typeface="SHeadG" panose="02030600000101010101" pitchFamily="18" charset="-127"/>
+              </a:endParaRPr>
+            </a:p>
+            <a:p>
+              <a:r>
+                <a:rPr kumimoji="1" lang="en-US" altLang="ko-Kore-KR" sz="1200" dirty="0">
+                  <a:solidFill>
+                    <a:srgbClr val="5DA2C5"/>
+                  </a:solidFill>
+                  <a:latin typeface="SHeadG" panose="02030600000101010101" pitchFamily="18" charset="-127"/>
+                  <a:ea typeface="SHeadG" panose="02030600000101010101" pitchFamily="18" charset="-127"/>
+                </a:rPr>
+                <a:t>+ initialize: void</a:t>
+              </a:r>
+            </a:p>
+            <a:p>
+              <a:r>
+                <a:rPr kumimoji="1" lang="en-US" altLang="ko-Kore-KR" sz="1200" dirty="0">
+                  <a:solidFill>
+                    <a:srgbClr val="5DA2C5"/>
+                  </a:solidFill>
+                  <a:latin typeface="SHeadG" panose="02030600000101010101" pitchFamily="18" charset="-127"/>
+                  <a:ea typeface="SHeadG" panose="02030600000101010101" pitchFamily="18" charset="-127"/>
+                </a:rPr>
+                <a:t># </a:t>
+              </a:r>
+              <a:r>
+                <a:rPr kumimoji="1" lang="en-US" altLang="ko-Kore-KR" sz="1200" dirty="0" err="1">
+                  <a:solidFill>
+                    <a:srgbClr val="5DA2C5"/>
+                  </a:solidFill>
+                  <a:latin typeface="SHeadG" panose="02030600000101010101" pitchFamily="18" charset="-127"/>
+                  <a:ea typeface="SHeadG" panose="02030600000101010101" pitchFamily="18" charset="-127"/>
+                </a:rPr>
+                <a:t>resetUnit</a:t>
+              </a:r>
+              <a:r>
+                <a:rPr kumimoji="1" lang="en-US" altLang="ko-Kore-KR" sz="1200" dirty="0">
+                  <a:solidFill>
+                    <a:srgbClr val="5DA2C5"/>
+                  </a:solidFill>
+                  <a:latin typeface="SHeadG" panose="02030600000101010101" pitchFamily="18" charset="-127"/>
+                  <a:ea typeface="SHeadG" panose="02030600000101010101" pitchFamily="18" charset="-127"/>
+                </a:rPr>
+                <a:t>(): void</a:t>
+              </a:r>
+              <a:endParaRPr kumimoji="1" lang="ko-Kore-KR" altLang="en-US" sz="1200" dirty="0">
+                <a:solidFill>
+                  <a:srgbClr val="5DA2C5"/>
+                </a:solidFill>
+                <a:latin typeface="SHeadG" panose="02030600000101010101" pitchFamily="18" charset="-127"/>
+                <a:ea typeface="SHeadG" panose="02030600000101010101" pitchFamily="18" charset="-127"/>
+              </a:endParaRPr>
+            </a:p>
+          </p:txBody>
+        </p:sp>
+      </p:grpSp>
+      <p:sp>
+        <p:nvSpPr>
+          <p:cNvPr id="36" name="TextBox 35">
+            <a:extLst>
+              <a:ext uri="{FF2B5EF4-FFF2-40B4-BE49-F238E27FC236}">
+                <a16:creationId xmlns:a16="http://schemas.microsoft.com/office/drawing/2014/main" id="{57B76526-00A5-5B4D-8734-EA51A88190E9}"/>
+              </a:ext>
+            </a:extLst>
+          </p:cNvPr>
+          <p:cNvSpPr txBox="1"/>
+          <p:nvPr/>
+        </p:nvSpPr>
+        <p:spPr>
+          <a:xfrm>
+            <a:off x="4098351" y="4558788"/>
+            <a:ext cx="2569643" cy="461665"/>
+          </a:xfrm>
+          <a:prstGeom prst="rect">
+            <a:avLst/>
+          </a:prstGeom>
+          <a:noFill/>
+        </p:spPr>
+        <p:txBody>
+          <a:bodyPr wrap="square" rtlCol="0">
+            <a:spAutoFit/>
+          </a:bodyPr>
+          <a:lstStyle/>
+          <a:p>
+            <a:r>
+              <a:rPr kumimoji="1" lang="en-US" altLang="ko-Kore-KR" sz="1200" dirty="0">
+                <a:solidFill>
+                  <a:srgbClr val="5DA2C5"/>
+                </a:solidFill>
+                <a:latin typeface="SHeadG" panose="02030600000101010101" pitchFamily="18" charset="-127"/>
+                <a:ea typeface="SHeadG" panose="02030600000101010101" pitchFamily="18" charset="-127"/>
+              </a:rPr>
+              <a:t>+ clone(): Swordsman</a:t>
+            </a:r>
+          </a:p>
+          <a:p>
+            <a:r>
+              <a:rPr kumimoji="1" lang="en-US" altLang="ko-Kore-KR" sz="1200" dirty="0">
+                <a:solidFill>
+                  <a:srgbClr val="5DA2C5"/>
+                </a:solidFill>
+                <a:latin typeface="SHeadG" panose="02030600000101010101" pitchFamily="18" charset="-127"/>
+                <a:ea typeface="SHeadG" panose="02030600000101010101" pitchFamily="18" charset="-127"/>
+              </a:rPr>
+              <a:t># </a:t>
+            </a:r>
+            <a:r>
+              <a:rPr kumimoji="1" lang="en-US" altLang="ko-Kore-KR" sz="1200" dirty="0" err="1">
+                <a:solidFill>
+                  <a:srgbClr val="5DA2C5"/>
+                </a:solidFill>
+                <a:latin typeface="SHeadG" panose="02030600000101010101" pitchFamily="18" charset="-127"/>
+                <a:ea typeface="SHeadG" panose="02030600000101010101" pitchFamily="18" charset="-127"/>
+              </a:rPr>
+              <a:t>resetUnit</a:t>
+            </a:r>
+            <a:r>
+              <a:rPr kumimoji="1" lang="en-US" altLang="ko-Kore-KR" sz="1200" dirty="0">
+                <a:solidFill>
+                  <a:srgbClr val="5DA2C5"/>
+                </a:solidFill>
+                <a:latin typeface="SHeadG" panose="02030600000101010101" pitchFamily="18" charset="-127"/>
+                <a:ea typeface="SHeadG" panose="02030600000101010101" pitchFamily="18" charset="-127"/>
+              </a:rPr>
+              <a:t>(): void</a:t>
+            </a:r>
+            <a:endParaRPr kumimoji="1" lang="ko-Kore-KR" altLang="en-US" sz="1200" dirty="0">
+              <a:solidFill>
+                <a:srgbClr val="5DA2C5"/>
+              </a:solidFill>
+              <a:latin typeface="SHeadG" panose="02030600000101010101" pitchFamily="18" charset="-127"/>
+              <a:ea typeface="SHeadG" panose="02030600000101010101" pitchFamily="18" charset="-127"/>
+            </a:endParaRPr>
+          </a:p>
+        </p:txBody>
+      </p:sp>
+      <p:grpSp>
+        <p:nvGrpSpPr>
+          <p:cNvPr id="37" name="그룹 36">
+            <a:extLst>
+              <a:ext uri="{FF2B5EF4-FFF2-40B4-BE49-F238E27FC236}">
+                <a16:creationId xmlns:a16="http://schemas.microsoft.com/office/drawing/2014/main" id="{3DC37081-3695-3746-87CF-AF70F4EBCD5B}"/>
+              </a:ext>
+            </a:extLst>
+          </p:cNvPr>
+          <p:cNvGrpSpPr/>
+          <p:nvPr/>
+        </p:nvGrpSpPr>
+        <p:grpSpPr>
+          <a:xfrm>
+            <a:off x="7094549" y="4153386"/>
+            <a:ext cx="2470359" cy="1039570"/>
+            <a:chOff x="973504" y="883824"/>
+            <a:chExt cx="2470359" cy="1039570"/>
+          </a:xfrm>
+        </p:grpSpPr>
+        <p:sp>
+          <p:nvSpPr>
+            <p:cNvPr id="38" name="직사각형 37">
+              <a:extLst>
+                <a:ext uri="{FF2B5EF4-FFF2-40B4-BE49-F238E27FC236}">
+                  <a16:creationId xmlns:a16="http://schemas.microsoft.com/office/drawing/2014/main" id="{1D7B33EE-0161-A944-A5B0-AFC57F726A9E}"/>
+                </a:ext>
+              </a:extLst>
+            </p:cNvPr>
+            <p:cNvSpPr/>
+            <p:nvPr/>
+          </p:nvSpPr>
+          <p:spPr>
+            <a:xfrm>
+              <a:off x="973504" y="883824"/>
+              <a:ext cx="2470359" cy="342690"/>
+            </a:xfrm>
+            <a:prstGeom prst="rect">
+              <a:avLst/>
+            </a:prstGeom>
+            <a:ln w="25400">
+              <a:solidFill>
+                <a:srgbClr val="5DA2C5"/>
+              </a:solidFill>
+            </a:ln>
+          </p:spPr>
+          <p:style>
+            <a:lnRef idx="1">
+              <a:schemeClr val="accent1"/>
+            </a:lnRef>
+            <a:fillRef idx="0">
+              <a:schemeClr val="accent1"/>
+            </a:fillRef>
+            <a:effectRef idx="0">
+              <a:schemeClr val="accent1"/>
+            </a:effectRef>
+            <a:fontRef idx="minor">
+              <a:schemeClr val="tx1"/>
+            </a:fontRef>
+          </p:style>
+          <p:txBody>
+            <a:bodyPr rtlCol="0" anchor="ctr"/>
+            <a:lstStyle/>
+            <a:p>
+              <a:pPr algn="ctr"/>
+              <a:endParaRPr kumimoji="1" lang="ko-Kore-KR" altLang="en-US" sz="1200"/>
+            </a:p>
+          </p:txBody>
+        </p:sp>
+        <p:sp>
+          <p:nvSpPr>
+            <p:cNvPr id="39" name="TextBox 38">
+              <a:extLst>
+                <a:ext uri="{FF2B5EF4-FFF2-40B4-BE49-F238E27FC236}">
+                  <a16:creationId xmlns:a16="http://schemas.microsoft.com/office/drawing/2014/main" id="{3330551A-0275-2545-A726-270D01349AC6}"/>
+                </a:ext>
+              </a:extLst>
+            </p:cNvPr>
+            <p:cNvSpPr txBox="1"/>
+            <p:nvPr/>
+          </p:nvSpPr>
+          <p:spPr>
+            <a:xfrm>
+              <a:off x="973505" y="916669"/>
+              <a:ext cx="2470358" cy="276999"/>
+            </a:xfrm>
+            <a:prstGeom prst="rect">
+              <a:avLst/>
+            </a:prstGeom>
+            <a:noFill/>
+          </p:spPr>
+          <p:txBody>
+            <a:bodyPr wrap="square" rtlCol="0">
+              <a:spAutoFit/>
+            </a:bodyPr>
+            <a:lstStyle/>
+            <a:p>
+              <a:pPr algn="ctr"/>
+              <a:r>
+                <a:rPr kumimoji="1" lang="en-US" altLang="ko-Kore-KR" sz="1200" b="1" dirty="0">
+                  <a:solidFill>
+                    <a:srgbClr val="5DA2C5"/>
+                  </a:solidFill>
+                  <a:latin typeface="SHeadG" panose="02030600000101010101" pitchFamily="18" charset="-127"/>
+                  <a:ea typeface="SHeadG" panose="02030600000101010101" pitchFamily="18" charset="-127"/>
+                </a:rPr>
+                <a:t>General</a:t>
+              </a:r>
+              <a:endParaRPr kumimoji="1" lang="ko-Kore-KR" altLang="en-US" sz="1200" b="1" dirty="0">
+                <a:solidFill>
+                  <a:srgbClr val="5DA2C5"/>
+                </a:solidFill>
+                <a:latin typeface="SHeadG" panose="02030600000101010101" pitchFamily="18" charset="-127"/>
+                <a:ea typeface="SHeadG" panose="02030600000101010101" pitchFamily="18" charset="-127"/>
+              </a:endParaRPr>
+            </a:p>
+          </p:txBody>
+        </p:sp>
+        <p:sp>
+          <p:nvSpPr>
+            <p:cNvPr id="40" name="직사각형 39">
+              <a:extLst>
+                <a:ext uri="{FF2B5EF4-FFF2-40B4-BE49-F238E27FC236}">
+                  <a16:creationId xmlns:a16="http://schemas.microsoft.com/office/drawing/2014/main" id="{A4E39A5C-C6ED-E04B-9C32-9F22461B7248}"/>
+                </a:ext>
+              </a:extLst>
+            </p:cNvPr>
+            <p:cNvSpPr/>
+            <p:nvPr/>
+          </p:nvSpPr>
+          <p:spPr>
+            <a:xfrm>
+              <a:off x="973504" y="1226514"/>
+              <a:ext cx="2470359" cy="696880"/>
+            </a:xfrm>
+            <a:prstGeom prst="rect">
+              <a:avLst/>
+            </a:prstGeom>
+            <a:ln w="25400">
+              <a:solidFill>
+                <a:srgbClr val="5DA2C5"/>
+              </a:solidFill>
+            </a:ln>
+          </p:spPr>
+          <p:style>
+            <a:lnRef idx="1">
+              <a:schemeClr val="accent1"/>
+            </a:lnRef>
+            <a:fillRef idx="0">
+              <a:schemeClr val="accent1"/>
+            </a:fillRef>
+            <a:effectRef idx="0">
+              <a:schemeClr val="accent1"/>
+            </a:effectRef>
+            <a:fontRef idx="minor">
+              <a:schemeClr val="tx1"/>
+            </a:fontRef>
+          </p:style>
+          <p:txBody>
+            <a:bodyPr rtlCol="0" anchor="ctr"/>
+            <a:lstStyle/>
+            <a:p>
+              <a:pPr algn="ctr"/>
+              <a:endParaRPr kumimoji="1" lang="ko-Kore-KR" altLang="en-US" sz="1200"/>
+            </a:p>
+          </p:txBody>
+        </p:sp>
+      </p:grpSp>
+      <p:sp>
+        <p:nvSpPr>
+          <p:cNvPr id="41" name="TextBox 40">
+            <a:extLst>
+              <a:ext uri="{FF2B5EF4-FFF2-40B4-BE49-F238E27FC236}">
+                <a16:creationId xmlns:a16="http://schemas.microsoft.com/office/drawing/2014/main" id="{52C024AD-1DC1-1146-A25E-3CFF6B9532E0}"/>
+              </a:ext>
+            </a:extLst>
+          </p:cNvPr>
+          <p:cNvSpPr txBox="1"/>
+          <p:nvPr/>
+        </p:nvSpPr>
+        <p:spPr>
+          <a:xfrm>
+            <a:off x="7106342" y="4567516"/>
+            <a:ext cx="2470359" cy="461665"/>
+          </a:xfrm>
+          <a:prstGeom prst="rect">
+            <a:avLst/>
+          </a:prstGeom>
+          <a:noFill/>
+        </p:spPr>
+        <p:txBody>
+          <a:bodyPr wrap="square" rtlCol="0">
+            <a:spAutoFit/>
+          </a:bodyPr>
+          <a:lstStyle/>
+          <a:p>
+            <a:r>
+              <a:rPr kumimoji="1" lang="en-US" altLang="ko-Kore-KR" sz="1200" dirty="0">
+                <a:solidFill>
+                  <a:srgbClr val="5DA2C5"/>
+                </a:solidFill>
+                <a:latin typeface="SHeadG" panose="02030600000101010101" pitchFamily="18" charset="-127"/>
+                <a:ea typeface="SHeadG" panose="02030600000101010101" pitchFamily="18" charset="-127"/>
+              </a:rPr>
+              <a:t>+ clone(): </a:t>
+            </a:r>
+            <a:r>
+              <a:rPr kumimoji="1" lang="en-US" altLang="ko-Kore-KR" sz="1200" dirty="0" err="1">
+                <a:solidFill>
+                  <a:srgbClr val="5DA2C5"/>
+                </a:solidFill>
+                <a:latin typeface="SHeadG" panose="02030600000101010101" pitchFamily="18" charset="-127"/>
+                <a:ea typeface="SHeadG" panose="02030600000101010101" pitchFamily="18" charset="-127"/>
+              </a:rPr>
+              <a:t>GameUnit</a:t>
+            </a:r>
+            <a:endParaRPr kumimoji="1" lang="en-US" altLang="ko-Kore-KR" sz="1200" dirty="0">
+              <a:solidFill>
+                <a:srgbClr val="5DA2C5"/>
+              </a:solidFill>
+              <a:latin typeface="SHeadG" panose="02030600000101010101" pitchFamily="18" charset="-127"/>
+              <a:ea typeface="SHeadG" panose="02030600000101010101" pitchFamily="18" charset="-127"/>
+            </a:endParaRPr>
+          </a:p>
+          <a:p>
+            <a:r>
+              <a:rPr kumimoji="1" lang="en-US" altLang="ko-Kore-KR" sz="1200" dirty="0">
+                <a:solidFill>
+                  <a:srgbClr val="5DA2C5"/>
+                </a:solidFill>
+                <a:latin typeface="SHeadG" panose="02030600000101010101" pitchFamily="18" charset="-127"/>
+                <a:ea typeface="SHeadG" panose="02030600000101010101" pitchFamily="18" charset="-127"/>
+              </a:rPr>
+              <a:t># </a:t>
+            </a:r>
+            <a:r>
+              <a:rPr kumimoji="1" lang="en-US" altLang="ko-Kore-KR" sz="1200" dirty="0" err="1">
+                <a:solidFill>
+                  <a:srgbClr val="5DA2C5"/>
+                </a:solidFill>
+                <a:latin typeface="SHeadG" panose="02030600000101010101" pitchFamily="18" charset="-127"/>
+                <a:ea typeface="SHeadG" panose="02030600000101010101" pitchFamily="18" charset="-127"/>
+              </a:rPr>
+              <a:t>resetUnit</a:t>
+            </a:r>
+            <a:r>
+              <a:rPr kumimoji="1" lang="en-US" altLang="ko-Kore-KR" sz="1200" dirty="0">
+                <a:solidFill>
+                  <a:srgbClr val="5DA2C5"/>
+                </a:solidFill>
+                <a:latin typeface="SHeadG" panose="02030600000101010101" pitchFamily="18" charset="-127"/>
+                <a:ea typeface="SHeadG" panose="02030600000101010101" pitchFamily="18" charset="-127"/>
+              </a:rPr>
+              <a:t>(): void</a:t>
+            </a:r>
+            <a:endParaRPr kumimoji="1" lang="ko-Kore-KR" altLang="en-US" sz="1200" dirty="0">
+              <a:solidFill>
+                <a:srgbClr val="5DA2C5"/>
+              </a:solidFill>
+              <a:latin typeface="SHeadG" panose="02030600000101010101" pitchFamily="18" charset="-127"/>
+              <a:ea typeface="SHeadG" panose="02030600000101010101" pitchFamily="18" charset="-127"/>
+            </a:endParaRPr>
+          </a:p>
+        </p:txBody>
+      </p:sp>
+      <p:cxnSp>
+        <p:nvCxnSpPr>
+          <p:cNvPr id="42" name="직선 화살표 연결선 41">
+            <a:extLst>
+              <a:ext uri="{FF2B5EF4-FFF2-40B4-BE49-F238E27FC236}">
+                <a16:creationId xmlns:a16="http://schemas.microsoft.com/office/drawing/2014/main" id="{F85DE165-3B5C-F84B-91DF-F347E6EF209A}"/>
+              </a:ext>
+            </a:extLst>
+          </p:cNvPr>
+          <p:cNvCxnSpPr>
+            <a:cxnSpLocks/>
+          </p:cNvCxnSpPr>
+          <p:nvPr/>
+        </p:nvCxnSpPr>
+        <p:spPr>
+          <a:xfrm>
+            <a:off x="4281111" y="2731990"/>
+            <a:ext cx="1543543" cy="0"/>
+          </a:xfrm>
+          <a:prstGeom prst="straightConnector1">
+            <a:avLst/>
+          </a:prstGeom>
+          <a:ln w="12700">
+            <a:solidFill>
+              <a:srgbClr val="5DA2C5"/>
+            </a:solidFill>
+            <a:prstDash val="dash"/>
+            <a:tailEnd type="arrow" w="lg" len="lg"/>
+          </a:ln>
+        </p:spPr>
+        <p:style>
+          <a:lnRef idx="1">
+            <a:schemeClr val="accent1"/>
+          </a:lnRef>
+          <a:fillRef idx="0">
+            <a:schemeClr val="accent1"/>
+          </a:fillRef>
+          <a:effectRef idx="0">
+            <a:schemeClr val="accent1"/>
+          </a:effectRef>
+          <a:fontRef idx="minor">
+            <a:schemeClr val="tx1"/>
+          </a:fontRef>
+        </p:style>
+      </p:cxnSp>
+    </p:spTree>
+    <p:extLst>
+      <p:ext uri="{BB962C8B-B14F-4D97-AF65-F5344CB8AC3E}">
+        <p14:creationId xmlns:p14="http://schemas.microsoft.com/office/powerpoint/2010/main" val="2190228954"/>
+      </p:ext>
+    </p:extLst>
+  </p:cSld>
+  <p:clrMapOvr>
+    <a:masterClrMapping/>
+  </p:clrMapOvr>
+</p:sld>
+</file>
+
 <file path=ppt/theme/theme1.xml><?xml version="1.0" encoding="utf-8"?>
 <a:theme xmlns:a="http://schemas.openxmlformats.org/drawingml/2006/main" name="Office 테마">
   <a:themeElements>
